--- a/進捗/weel3のコピー.pptx
+++ b/進捗/weel3のコピー.pptx
@@ -5,17 +5,14 @@
     <p:sldMasterId id="2147483648" r:id="rId1"/>
   </p:sldMasterIdLst>
   <p:notesMasterIdLst>
-    <p:notesMasterId r:id="rId10"/>
+    <p:notesMasterId r:id="rId7"/>
   </p:notesMasterIdLst>
   <p:sldIdLst>
     <p:sldId id="256" r:id="rId2"/>
     <p:sldId id="257" r:id="rId3"/>
     <p:sldId id="264" r:id="rId4"/>
     <p:sldId id="265" r:id="rId5"/>
-    <p:sldId id="260" r:id="rId6"/>
-    <p:sldId id="262" r:id="rId7"/>
-    <p:sldId id="261" r:id="rId8"/>
-    <p:sldId id="263" r:id="rId9"/>
+    <p:sldId id="263" r:id="rId6"/>
   </p:sldIdLst>
   <p:sldSz cx="12192000" cy="6858000"/>
   <p:notesSz cx="6858000" cy="9144000"/>
@@ -212,7 +209,7 @@
           <a:p>
             <a:fld id="{C5E6F7A3-51E2-D443-85EA-5029BB7E1B84}" type="datetimeFigureOut">
               <a:rPr kumimoji="1" lang="ja-JP" altLang="en-US" smtClean="0"/>
-              <a:t>2018/5/26</a:t>
+              <a:t>2018/5/27</a:t>
             </a:fld>
             <a:endParaRPr kumimoji="1" lang="ja-JP" altLang="en-US"/>
           </a:p>
@@ -577,6 +574,90 @@
           <a:p>
             <a:fld id="{17D1AE7C-BB58-6F4D-9D32-DF40DAD52BD6}" type="slidenum">
               <a:rPr kumimoji="1" lang="ja-JP" altLang="en-US" smtClean="0"/>
+              <a:t>1</a:t>
+            </a:fld>
+            <a:endParaRPr kumimoji="1" lang="ja-JP" altLang="en-US"/>
+          </a:p>
+        </p:txBody>
+      </p:sp>
+    </p:spTree>
+    <p:extLst>
+      <p:ext uri="{BB962C8B-B14F-4D97-AF65-F5344CB8AC3E}">
+        <p14:creationId xmlns:p14="http://schemas.microsoft.com/office/powerpoint/2010/main" val="1635621996"/>
+      </p:ext>
+    </p:extLst>
+  </p:cSld>
+  <p:clrMapOvr>
+    <a:masterClrMapping/>
+  </p:clrMapOvr>
+</p:notes>
+</file>
+
+<file path=ppt/notesSlides/notesSlide2.xml><?xml version="1.0" encoding="utf-8"?>
+<p:notes xmlns:a="http://schemas.openxmlformats.org/drawingml/2006/main" xmlns:r="http://schemas.openxmlformats.org/officeDocument/2006/relationships" xmlns:p="http://schemas.openxmlformats.org/presentationml/2006/main">
+  <p:cSld>
+    <p:spTree>
+      <p:nvGrpSpPr>
+        <p:cNvPr id="1" name=""/>
+        <p:cNvGrpSpPr/>
+        <p:nvPr/>
+      </p:nvGrpSpPr>
+      <p:grpSpPr>
+        <a:xfrm>
+          <a:off x="0" y="0"/>
+          <a:ext cx="0" cy="0"/>
+          <a:chOff x="0" y="0"/>
+          <a:chExt cx="0" cy="0"/>
+        </a:xfrm>
+      </p:grpSpPr>
+      <p:sp>
+        <p:nvSpPr>
+          <p:cNvPr id="2" name="スライド イメージ プレースホルダー 1"/>
+          <p:cNvSpPr>
+            <a:spLocks noGrp="1" noRot="1" noChangeAspect="1"/>
+          </p:cNvSpPr>
+          <p:nvPr>
+            <p:ph type="sldImg"/>
+          </p:nvPr>
+        </p:nvSpPr>
+        <p:spPr/>
+      </p:sp>
+      <p:sp>
+        <p:nvSpPr>
+          <p:cNvPr id="3" name="ノート プレースホルダー 2"/>
+          <p:cNvSpPr>
+            <a:spLocks noGrp="1"/>
+          </p:cNvSpPr>
+          <p:nvPr>
+            <p:ph type="body" idx="1"/>
+          </p:nvPr>
+        </p:nvSpPr>
+        <p:spPr/>
+        <p:txBody>
+          <a:bodyPr/>
+          <a:lstStyle/>
+          <a:p>
+            <a:endParaRPr kumimoji="1" lang="ja-JP" altLang="en-US" dirty="0"/>
+          </a:p>
+        </p:txBody>
+      </p:sp>
+      <p:sp>
+        <p:nvSpPr>
+          <p:cNvPr id="4" name="スライド番号プレースホルダー 3"/>
+          <p:cNvSpPr>
+            <a:spLocks noGrp="1"/>
+          </p:cNvSpPr>
+          <p:nvPr>
+            <p:ph type="sldNum" sz="quarter" idx="10"/>
+          </p:nvPr>
+        </p:nvSpPr>
+        <p:spPr/>
+        <p:txBody>
+          <a:bodyPr/>
+          <a:lstStyle/>
+          <a:p>
+            <a:fld id="{17D1AE7C-BB58-6F4D-9D32-DF40DAD52BD6}" type="slidenum">
+              <a:rPr kumimoji="1" lang="ja-JP" altLang="en-US" smtClean="0"/>
               <a:t>3</a:t>
             </a:fld>
             <a:endParaRPr kumimoji="1" lang="ja-JP" altLang="en-US"/>
@@ -618,7 +699,7 @@
           <p:cNvPr id="2" name="タイトル 1">
             <a:extLst>
               <a:ext uri="{FF2B5EF4-FFF2-40B4-BE49-F238E27FC236}">
-                <a16:creationId xmlns="" xmlns:a16="http://schemas.microsoft.com/office/drawing/2014/main" id="{0CE6D281-6DC1-4DD1-9395-E84BA8839D23}"/>
+                <a16:creationId xmlns:a16="http://schemas.microsoft.com/office/drawing/2014/main" xmlns="" id="{0CE6D281-6DC1-4DD1-9395-E84BA8839D23}"/>
               </a:ext>
             </a:extLst>
           </p:cNvPr>
@@ -655,7 +736,7 @@
           <p:cNvPr id="3" name="字幕 2">
             <a:extLst>
               <a:ext uri="{FF2B5EF4-FFF2-40B4-BE49-F238E27FC236}">
-                <a16:creationId xmlns="" xmlns:a16="http://schemas.microsoft.com/office/drawing/2014/main" id="{D9421F28-F5A8-45C4-92F8-868EC3656E17}"/>
+                <a16:creationId xmlns:a16="http://schemas.microsoft.com/office/drawing/2014/main" xmlns="" id="{D9421F28-F5A8-45C4-92F8-868EC3656E17}"/>
               </a:ext>
             </a:extLst>
           </p:cNvPr>
@@ -725,7 +806,7 @@
           <p:cNvPr id="4" name="日付プレースホルダー 3">
             <a:extLst>
               <a:ext uri="{FF2B5EF4-FFF2-40B4-BE49-F238E27FC236}">
-                <a16:creationId xmlns="" xmlns:a16="http://schemas.microsoft.com/office/drawing/2014/main" id="{9D385CCF-A4B0-46F9-9D48-2BF9A361060A}"/>
+                <a16:creationId xmlns:a16="http://schemas.microsoft.com/office/drawing/2014/main" xmlns="" id="{9D385CCF-A4B0-46F9-9D48-2BF9A361060A}"/>
               </a:ext>
             </a:extLst>
           </p:cNvPr>
@@ -743,7 +824,7 @@
           <a:p>
             <a:fld id="{75EA521B-FDFA-4595-B6D6-A6BCCD25B025}" type="datetimeFigureOut">
               <a:rPr kumimoji="1" lang="ja-JP" altLang="en-US" smtClean="0"/>
-              <a:t>2018/5/26</a:t>
+              <a:t>2018/5/27</a:t>
             </a:fld>
             <a:endParaRPr kumimoji="1" lang="ja-JP" altLang="en-US"/>
           </a:p>
@@ -754,7 +835,7 @@
           <p:cNvPr id="5" name="フッター プレースホルダー 4">
             <a:extLst>
               <a:ext uri="{FF2B5EF4-FFF2-40B4-BE49-F238E27FC236}">
-                <a16:creationId xmlns="" xmlns:a16="http://schemas.microsoft.com/office/drawing/2014/main" id="{D0B6E068-715E-4244-B98E-641884F241DE}"/>
+                <a16:creationId xmlns:a16="http://schemas.microsoft.com/office/drawing/2014/main" xmlns="" id="{D0B6E068-715E-4244-B98E-641884F241DE}"/>
               </a:ext>
             </a:extLst>
           </p:cNvPr>
@@ -779,7 +860,7 @@
           <p:cNvPr id="6" name="スライド番号プレースホルダー 5">
             <a:extLst>
               <a:ext uri="{FF2B5EF4-FFF2-40B4-BE49-F238E27FC236}">
-                <a16:creationId xmlns="" xmlns:a16="http://schemas.microsoft.com/office/drawing/2014/main" id="{45AE47F8-1DB0-43BD-B97C-B0916D1177C1}"/>
+                <a16:creationId xmlns:a16="http://schemas.microsoft.com/office/drawing/2014/main" xmlns="" id="{45AE47F8-1DB0-43BD-B97C-B0916D1177C1}"/>
               </a:ext>
             </a:extLst>
           </p:cNvPr>
@@ -838,7 +919,7 @@
           <p:cNvPr id="2" name="タイトル 1">
             <a:extLst>
               <a:ext uri="{FF2B5EF4-FFF2-40B4-BE49-F238E27FC236}">
-                <a16:creationId xmlns="" xmlns:a16="http://schemas.microsoft.com/office/drawing/2014/main" id="{AF203661-6365-4D1B-B0C5-99836D4D5B4D}"/>
+                <a16:creationId xmlns:a16="http://schemas.microsoft.com/office/drawing/2014/main" xmlns="" id="{AF203661-6365-4D1B-B0C5-99836D4D5B4D}"/>
               </a:ext>
             </a:extLst>
           </p:cNvPr>
@@ -866,7 +947,7 @@
           <p:cNvPr id="3" name="縦書きテキスト プレースホルダー 2">
             <a:extLst>
               <a:ext uri="{FF2B5EF4-FFF2-40B4-BE49-F238E27FC236}">
-                <a16:creationId xmlns="" xmlns:a16="http://schemas.microsoft.com/office/drawing/2014/main" id="{AD79C9E9-966C-495A-B426-9E49526C9827}"/>
+                <a16:creationId xmlns:a16="http://schemas.microsoft.com/office/drawing/2014/main" xmlns="" id="{AD79C9E9-966C-495A-B426-9E49526C9827}"/>
               </a:ext>
             </a:extLst>
           </p:cNvPr>
@@ -955,7 +1036,7 @@
           <p:cNvPr id="4" name="日付プレースホルダー 3">
             <a:extLst>
               <a:ext uri="{FF2B5EF4-FFF2-40B4-BE49-F238E27FC236}">
-                <a16:creationId xmlns="" xmlns:a16="http://schemas.microsoft.com/office/drawing/2014/main" id="{607D270E-6CB4-43E9-84DC-5D0B3F4D5A91}"/>
+                <a16:creationId xmlns:a16="http://schemas.microsoft.com/office/drawing/2014/main" xmlns="" id="{607D270E-6CB4-43E9-84DC-5D0B3F4D5A91}"/>
               </a:ext>
             </a:extLst>
           </p:cNvPr>
@@ -973,7 +1054,7 @@
           <a:p>
             <a:fld id="{75EA521B-FDFA-4595-B6D6-A6BCCD25B025}" type="datetimeFigureOut">
               <a:rPr kumimoji="1" lang="ja-JP" altLang="en-US" smtClean="0"/>
-              <a:t>2018/5/26</a:t>
+              <a:t>2018/5/27</a:t>
             </a:fld>
             <a:endParaRPr kumimoji="1" lang="ja-JP" altLang="en-US"/>
           </a:p>
@@ -984,7 +1065,7 @@
           <p:cNvPr id="5" name="フッター プレースホルダー 4">
             <a:extLst>
               <a:ext uri="{FF2B5EF4-FFF2-40B4-BE49-F238E27FC236}">
-                <a16:creationId xmlns="" xmlns:a16="http://schemas.microsoft.com/office/drawing/2014/main" id="{0C63D584-6CB9-4A49-B4C4-1F5BDF0C8FF1}"/>
+                <a16:creationId xmlns:a16="http://schemas.microsoft.com/office/drawing/2014/main" xmlns="" id="{0C63D584-6CB9-4A49-B4C4-1F5BDF0C8FF1}"/>
               </a:ext>
             </a:extLst>
           </p:cNvPr>
@@ -1009,7 +1090,7 @@
           <p:cNvPr id="6" name="スライド番号プレースホルダー 5">
             <a:extLst>
               <a:ext uri="{FF2B5EF4-FFF2-40B4-BE49-F238E27FC236}">
-                <a16:creationId xmlns="" xmlns:a16="http://schemas.microsoft.com/office/drawing/2014/main" id="{46F8EE16-C5FD-4BA9-BF12-3E492351212D}"/>
+                <a16:creationId xmlns:a16="http://schemas.microsoft.com/office/drawing/2014/main" xmlns="" id="{46F8EE16-C5FD-4BA9-BF12-3E492351212D}"/>
               </a:ext>
             </a:extLst>
           </p:cNvPr>
@@ -1068,7 +1149,7 @@
           <p:cNvPr id="2" name="縦書きタイトル 1">
             <a:extLst>
               <a:ext uri="{FF2B5EF4-FFF2-40B4-BE49-F238E27FC236}">
-                <a16:creationId xmlns="" xmlns:a16="http://schemas.microsoft.com/office/drawing/2014/main" id="{D6E8AF3F-5FB2-42C6-9D68-1849E5D88296}"/>
+                <a16:creationId xmlns:a16="http://schemas.microsoft.com/office/drawing/2014/main" xmlns="" id="{D6E8AF3F-5FB2-42C6-9D68-1849E5D88296}"/>
               </a:ext>
             </a:extLst>
           </p:cNvPr>
@@ -1101,7 +1182,7 @@
           <p:cNvPr id="3" name="縦書きテキスト プレースホルダー 2">
             <a:extLst>
               <a:ext uri="{FF2B5EF4-FFF2-40B4-BE49-F238E27FC236}">
-                <a16:creationId xmlns="" xmlns:a16="http://schemas.microsoft.com/office/drawing/2014/main" id="{87C14D51-A60E-4C9E-ABB5-12037F142BF4}"/>
+                <a16:creationId xmlns:a16="http://schemas.microsoft.com/office/drawing/2014/main" xmlns="" id="{87C14D51-A60E-4C9E-ABB5-12037F142BF4}"/>
               </a:ext>
             </a:extLst>
           </p:cNvPr>
@@ -1195,7 +1276,7 @@
           <p:cNvPr id="4" name="日付プレースホルダー 3">
             <a:extLst>
               <a:ext uri="{FF2B5EF4-FFF2-40B4-BE49-F238E27FC236}">
-                <a16:creationId xmlns="" xmlns:a16="http://schemas.microsoft.com/office/drawing/2014/main" id="{FA5A9502-4695-44BE-9558-897FF187AAE7}"/>
+                <a16:creationId xmlns:a16="http://schemas.microsoft.com/office/drawing/2014/main" xmlns="" id="{FA5A9502-4695-44BE-9558-897FF187AAE7}"/>
               </a:ext>
             </a:extLst>
           </p:cNvPr>
@@ -1213,7 +1294,7 @@
           <a:p>
             <a:fld id="{75EA521B-FDFA-4595-B6D6-A6BCCD25B025}" type="datetimeFigureOut">
               <a:rPr kumimoji="1" lang="ja-JP" altLang="en-US" smtClean="0"/>
-              <a:t>2018/5/26</a:t>
+              <a:t>2018/5/27</a:t>
             </a:fld>
             <a:endParaRPr kumimoji="1" lang="ja-JP" altLang="en-US"/>
           </a:p>
@@ -1224,7 +1305,7 @@
           <p:cNvPr id="5" name="フッター プレースホルダー 4">
             <a:extLst>
               <a:ext uri="{FF2B5EF4-FFF2-40B4-BE49-F238E27FC236}">
-                <a16:creationId xmlns="" xmlns:a16="http://schemas.microsoft.com/office/drawing/2014/main" id="{A19DA892-EF43-4CF5-9FBB-AE3D86B86673}"/>
+                <a16:creationId xmlns:a16="http://schemas.microsoft.com/office/drawing/2014/main" xmlns="" id="{A19DA892-EF43-4CF5-9FBB-AE3D86B86673}"/>
               </a:ext>
             </a:extLst>
           </p:cNvPr>
@@ -1249,7 +1330,7 @@
           <p:cNvPr id="6" name="スライド番号プレースホルダー 5">
             <a:extLst>
               <a:ext uri="{FF2B5EF4-FFF2-40B4-BE49-F238E27FC236}">
-                <a16:creationId xmlns="" xmlns:a16="http://schemas.microsoft.com/office/drawing/2014/main" id="{0382BB91-E0A9-4E7A-B692-1D50F191F42E}"/>
+                <a16:creationId xmlns:a16="http://schemas.microsoft.com/office/drawing/2014/main" xmlns="" id="{0382BB91-E0A9-4E7A-B692-1D50F191F42E}"/>
               </a:ext>
             </a:extLst>
           </p:cNvPr>
@@ -1308,7 +1389,7 @@
           <p:cNvPr id="2" name="タイトル 1">
             <a:extLst>
               <a:ext uri="{FF2B5EF4-FFF2-40B4-BE49-F238E27FC236}">
-                <a16:creationId xmlns="" xmlns:a16="http://schemas.microsoft.com/office/drawing/2014/main" id="{7F496144-A2D7-4F70-BF68-946E3885B9E4}"/>
+                <a16:creationId xmlns:a16="http://schemas.microsoft.com/office/drawing/2014/main" xmlns="" id="{7F496144-A2D7-4F70-BF68-946E3885B9E4}"/>
               </a:ext>
             </a:extLst>
           </p:cNvPr>
@@ -1336,7 +1417,7 @@
           <p:cNvPr id="3" name="コンテンツ プレースホルダー 2">
             <a:extLst>
               <a:ext uri="{FF2B5EF4-FFF2-40B4-BE49-F238E27FC236}">
-                <a16:creationId xmlns="" xmlns:a16="http://schemas.microsoft.com/office/drawing/2014/main" id="{332D9816-D845-488E-A6D8-B39A7B2CBA6F}"/>
+                <a16:creationId xmlns:a16="http://schemas.microsoft.com/office/drawing/2014/main" xmlns="" id="{332D9816-D845-488E-A6D8-B39A7B2CBA6F}"/>
               </a:ext>
             </a:extLst>
           </p:cNvPr>
@@ -1425,7 +1506,7 @@
           <p:cNvPr id="4" name="日付プレースホルダー 3">
             <a:extLst>
               <a:ext uri="{FF2B5EF4-FFF2-40B4-BE49-F238E27FC236}">
-                <a16:creationId xmlns="" xmlns:a16="http://schemas.microsoft.com/office/drawing/2014/main" id="{97E80740-37D1-4E66-BFFD-ADD8153CB3B2}"/>
+                <a16:creationId xmlns:a16="http://schemas.microsoft.com/office/drawing/2014/main" xmlns="" id="{97E80740-37D1-4E66-BFFD-ADD8153CB3B2}"/>
               </a:ext>
             </a:extLst>
           </p:cNvPr>
@@ -1443,7 +1524,7 @@
           <a:p>
             <a:fld id="{75EA521B-FDFA-4595-B6D6-A6BCCD25B025}" type="datetimeFigureOut">
               <a:rPr kumimoji="1" lang="ja-JP" altLang="en-US" smtClean="0"/>
-              <a:t>2018/5/26</a:t>
+              <a:t>2018/5/27</a:t>
             </a:fld>
             <a:endParaRPr kumimoji="1" lang="ja-JP" altLang="en-US"/>
           </a:p>
@@ -1454,7 +1535,7 @@
           <p:cNvPr id="5" name="フッター プレースホルダー 4">
             <a:extLst>
               <a:ext uri="{FF2B5EF4-FFF2-40B4-BE49-F238E27FC236}">
-                <a16:creationId xmlns="" xmlns:a16="http://schemas.microsoft.com/office/drawing/2014/main" id="{7D84BE37-7140-4154-9A22-87B640BBA726}"/>
+                <a16:creationId xmlns:a16="http://schemas.microsoft.com/office/drawing/2014/main" xmlns="" id="{7D84BE37-7140-4154-9A22-87B640BBA726}"/>
               </a:ext>
             </a:extLst>
           </p:cNvPr>
@@ -1479,7 +1560,7 @@
           <p:cNvPr id="6" name="スライド番号プレースホルダー 5">
             <a:extLst>
               <a:ext uri="{FF2B5EF4-FFF2-40B4-BE49-F238E27FC236}">
-                <a16:creationId xmlns="" xmlns:a16="http://schemas.microsoft.com/office/drawing/2014/main" id="{38F9F80D-F1CF-446F-AD73-4F3B31F4200A}"/>
+                <a16:creationId xmlns:a16="http://schemas.microsoft.com/office/drawing/2014/main" xmlns="" id="{38F9F80D-F1CF-446F-AD73-4F3B31F4200A}"/>
               </a:ext>
             </a:extLst>
           </p:cNvPr>
@@ -1538,7 +1619,7 @@
           <p:cNvPr id="2" name="タイトル 1">
             <a:extLst>
               <a:ext uri="{FF2B5EF4-FFF2-40B4-BE49-F238E27FC236}">
-                <a16:creationId xmlns="" xmlns:a16="http://schemas.microsoft.com/office/drawing/2014/main" id="{0B0D483B-AB02-495D-96A2-398631D8A9A8}"/>
+                <a16:creationId xmlns:a16="http://schemas.microsoft.com/office/drawing/2014/main" xmlns="" id="{0B0D483B-AB02-495D-96A2-398631D8A9A8}"/>
               </a:ext>
             </a:extLst>
           </p:cNvPr>
@@ -1575,7 +1656,7 @@
           <p:cNvPr id="3" name="テキスト プレースホルダー 2">
             <a:extLst>
               <a:ext uri="{FF2B5EF4-FFF2-40B4-BE49-F238E27FC236}">
-                <a16:creationId xmlns="" xmlns:a16="http://schemas.microsoft.com/office/drawing/2014/main" id="{3BF5E900-BBE6-4E28-8F78-1DE383AF95C7}"/>
+                <a16:creationId xmlns:a16="http://schemas.microsoft.com/office/drawing/2014/main" xmlns="" id="{3BF5E900-BBE6-4E28-8F78-1DE383AF95C7}"/>
               </a:ext>
             </a:extLst>
           </p:cNvPr>
@@ -1700,7 +1781,7 @@
           <p:cNvPr id="4" name="日付プレースホルダー 3">
             <a:extLst>
               <a:ext uri="{FF2B5EF4-FFF2-40B4-BE49-F238E27FC236}">
-                <a16:creationId xmlns="" xmlns:a16="http://schemas.microsoft.com/office/drawing/2014/main" id="{03A0DB1B-42C3-4635-BF5E-81A388237C72}"/>
+                <a16:creationId xmlns:a16="http://schemas.microsoft.com/office/drawing/2014/main" xmlns="" id="{03A0DB1B-42C3-4635-BF5E-81A388237C72}"/>
               </a:ext>
             </a:extLst>
           </p:cNvPr>
@@ -1718,7 +1799,7 @@
           <a:p>
             <a:fld id="{75EA521B-FDFA-4595-B6D6-A6BCCD25B025}" type="datetimeFigureOut">
               <a:rPr kumimoji="1" lang="ja-JP" altLang="en-US" smtClean="0"/>
-              <a:t>2018/5/26</a:t>
+              <a:t>2018/5/27</a:t>
             </a:fld>
             <a:endParaRPr kumimoji="1" lang="ja-JP" altLang="en-US"/>
           </a:p>
@@ -1729,7 +1810,7 @@
           <p:cNvPr id="5" name="フッター プレースホルダー 4">
             <a:extLst>
               <a:ext uri="{FF2B5EF4-FFF2-40B4-BE49-F238E27FC236}">
-                <a16:creationId xmlns="" xmlns:a16="http://schemas.microsoft.com/office/drawing/2014/main" id="{5FE78ED9-B6CA-49D9-990A-D7691D6D042C}"/>
+                <a16:creationId xmlns:a16="http://schemas.microsoft.com/office/drawing/2014/main" xmlns="" id="{5FE78ED9-B6CA-49D9-990A-D7691D6D042C}"/>
               </a:ext>
             </a:extLst>
           </p:cNvPr>
@@ -1754,7 +1835,7 @@
           <p:cNvPr id="6" name="スライド番号プレースホルダー 5">
             <a:extLst>
               <a:ext uri="{FF2B5EF4-FFF2-40B4-BE49-F238E27FC236}">
-                <a16:creationId xmlns="" xmlns:a16="http://schemas.microsoft.com/office/drawing/2014/main" id="{F122FA91-4AB8-4C60-890E-8EA97062E5D0}"/>
+                <a16:creationId xmlns:a16="http://schemas.microsoft.com/office/drawing/2014/main" xmlns="" id="{F122FA91-4AB8-4C60-890E-8EA97062E5D0}"/>
               </a:ext>
             </a:extLst>
           </p:cNvPr>
@@ -1813,7 +1894,7 @@
           <p:cNvPr id="2" name="タイトル 1">
             <a:extLst>
               <a:ext uri="{FF2B5EF4-FFF2-40B4-BE49-F238E27FC236}">
-                <a16:creationId xmlns="" xmlns:a16="http://schemas.microsoft.com/office/drawing/2014/main" id="{2FBA02A2-5349-42EB-9AEB-D3119033773E}"/>
+                <a16:creationId xmlns:a16="http://schemas.microsoft.com/office/drawing/2014/main" xmlns="" id="{2FBA02A2-5349-42EB-9AEB-D3119033773E}"/>
               </a:ext>
             </a:extLst>
           </p:cNvPr>
@@ -1841,7 +1922,7 @@
           <p:cNvPr id="3" name="コンテンツ プレースホルダー 2">
             <a:extLst>
               <a:ext uri="{FF2B5EF4-FFF2-40B4-BE49-F238E27FC236}">
-                <a16:creationId xmlns="" xmlns:a16="http://schemas.microsoft.com/office/drawing/2014/main" id="{01DD12D3-0978-44F3-9104-AFAF3800BDC5}"/>
+                <a16:creationId xmlns:a16="http://schemas.microsoft.com/office/drawing/2014/main" xmlns="" id="{01DD12D3-0978-44F3-9104-AFAF3800BDC5}"/>
               </a:ext>
             </a:extLst>
           </p:cNvPr>
@@ -1935,7 +2016,7 @@
           <p:cNvPr id="4" name="コンテンツ プレースホルダー 3">
             <a:extLst>
               <a:ext uri="{FF2B5EF4-FFF2-40B4-BE49-F238E27FC236}">
-                <a16:creationId xmlns="" xmlns:a16="http://schemas.microsoft.com/office/drawing/2014/main" id="{D5E90BF6-7C40-498F-9E7D-0568971E8E05}"/>
+                <a16:creationId xmlns:a16="http://schemas.microsoft.com/office/drawing/2014/main" xmlns="" id="{D5E90BF6-7C40-498F-9E7D-0568971E8E05}"/>
               </a:ext>
             </a:extLst>
           </p:cNvPr>
@@ -2029,7 +2110,7 @@
           <p:cNvPr id="5" name="日付プレースホルダー 4">
             <a:extLst>
               <a:ext uri="{FF2B5EF4-FFF2-40B4-BE49-F238E27FC236}">
-                <a16:creationId xmlns="" xmlns:a16="http://schemas.microsoft.com/office/drawing/2014/main" id="{3DA5DBBB-7661-42C4-89D2-80C32F98F7E6}"/>
+                <a16:creationId xmlns:a16="http://schemas.microsoft.com/office/drawing/2014/main" xmlns="" id="{3DA5DBBB-7661-42C4-89D2-80C32F98F7E6}"/>
               </a:ext>
             </a:extLst>
           </p:cNvPr>
@@ -2047,7 +2128,7 @@
           <a:p>
             <a:fld id="{75EA521B-FDFA-4595-B6D6-A6BCCD25B025}" type="datetimeFigureOut">
               <a:rPr kumimoji="1" lang="ja-JP" altLang="en-US" smtClean="0"/>
-              <a:t>2018/5/26</a:t>
+              <a:t>2018/5/27</a:t>
             </a:fld>
             <a:endParaRPr kumimoji="1" lang="ja-JP" altLang="en-US"/>
           </a:p>
@@ -2058,7 +2139,7 @@
           <p:cNvPr id="6" name="フッター プレースホルダー 5">
             <a:extLst>
               <a:ext uri="{FF2B5EF4-FFF2-40B4-BE49-F238E27FC236}">
-                <a16:creationId xmlns="" xmlns:a16="http://schemas.microsoft.com/office/drawing/2014/main" id="{5B704621-7C81-4B43-BE94-D051A39916A6}"/>
+                <a16:creationId xmlns:a16="http://schemas.microsoft.com/office/drawing/2014/main" xmlns="" id="{5B704621-7C81-4B43-BE94-D051A39916A6}"/>
               </a:ext>
             </a:extLst>
           </p:cNvPr>
@@ -2083,7 +2164,7 @@
           <p:cNvPr id="7" name="スライド番号プレースホルダー 6">
             <a:extLst>
               <a:ext uri="{FF2B5EF4-FFF2-40B4-BE49-F238E27FC236}">
-                <a16:creationId xmlns="" xmlns:a16="http://schemas.microsoft.com/office/drawing/2014/main" id="{2DC42EF8-3519-4D59-9621-F798703D74B8}"/>
+                <a16:creationId xmlns:a16="http://schemas.microsoft.com/office/drawing/2014/main" xmlns="" id="{2DC42EF8-3519-4D59-9621-F798703D74B8}"/>
               </a:ext>
             </a:extLst>
           </p:cNvPr>
@@ -2142,7 +2223,7 @@
           <p:cNvPr id="2" name="タイトル 1">
             <a:extLst>
               <a:ext uri="{FF2B5EF4-FFF2-40B4-BE49-F238E27FC236}">
-                <a16:creationId xmlns="" xmlns:a16="http://schemas.microsoft.com/office/drawing/2014/main" id="{095FA26A-CBA1-4A74-A9E3-B5FD6FFD8C98}"/>
+                <a16:creationId xmlns:a16="http://schemas.microsoft.com/office/drawing/2014/main" xmlns="" id="{095FA26A-CBA1-4A74-A9E3-B5FD6FFD8C98}"/>
               </a:ext>
             </a:extLst>
           </p:cNvPr>
@@ -2175,7 +2256,7 @@
           <p:cNvPr id="3" name="テキスト プレースホルダー 2">
             <a:extLst>
               <a:ext uri="{FF2B5EF4-FFF2-40B4-BE49-F238E27FC236}">
-                <a16:creationId xmlns="" xmlns:a16="http://schemas.microsoft.com/office/drawing/2014/main" id="{E71F706C-F473-42E3-9B63-59994DEDEECA}"/>
+                <a16:creationId xmlns:a16="http://schemas.microsoft.com/office/drawing/2014/main" xmlns="" id="{E71F706C-F473-42E3-9B63-59994DEDEECA}"/>
               </a:ext>
             </a:extLst>
           </p:cNvPr>
@@ -2246,7 +2327,7 @@
           <p:cNvPr id="4" name="コンテンツ プレースホルダー 3">
             <a:extLst>
               <a:ext uri="{FF2B5EF4-FFF2-40B4-BE49-F238E27FC236}">
-                <a16:creationId xmlns="" xmlns:a16="http://schemas.microsoft.com/office/drawing/2014/main" id="{535A327C-5F1D-41F9-9BC0-CE918329AAC8}"/>
+                <a16:creationId xmlns:a16="http://schemas.microsoft.com/office/drawing/2014/main" xmlns="" id="{535A327C-5F1D-41F9-9BC0-CE918329AAC8}"/>
               </a:ext>
             </a:extLst>
           </p:cNvPr>
@@ -2340,7 +2421,7 @@
           <p:cNvPr id="5" name="テキスト プレースホルダー 4">
             <a:extLst>
               <a:ext uri="{FF2B5EF4-FFF2-40B4-BE49-F238E27FC236}">
-                <a16:creationId xmlns="" xmlns:a16="http://schemas.microsoft.com/office/drawing/2014/main" id="{0966280A-6699-46B3-90FC-B3A085BC9DFD}"/>
+                <a16:creationId xmlns:a16="http://schemas.microsoft.com/office/drawing/2014/main" xmlns="" id="{0966280A-6699-46B3-90FC-B3A085BC9DFD}"/>
               </a:ext>
             </a:extLst>
           </p:cNvPr>
@@ -2411,7 +2492,7 @@
           <p:cNvPr id="6" name="コンテンツ プレースホルダー 5">
             <a:extLst>
               <a:ext uri="{FF2B5EF4-FFF2-40B4-BE49-F238E27FC236}">
-                <a16:creationId xmlns="" xmlns:a16="http://schemas.microsoft.com/office/drawing/2014/main" id="{0DB8FB1D-0DB7-42EB-AF6A-067CCBD78479}"/>
+                <a16:creationId xmlns:a16="http://schemas.microsoft.com/office/drawing/2014/main" xmlns="" id="{0DB8FB1D-0DB7-42EB-AF6A-067CCBD78479}"/>
               </a:ext>
             </a:extLst>
           </p:cNvPr>
@@ -2505,7 +2586,7 @@
           <p:cNvPr id="7" name="日付プレースホルダー 6">
             <a:extLst>
               <a:ext uri="{FF2B5EF4-FFF2-40B4-BE49-F238E27FC236}">
-                <a16:creationId xmlns="" xmlns:a16="http://schemas.microsoft.com/office/drawing/2014/main" id="{37CCB133-5204-4257-8832-3C5DC84C9323}"/>
+                <a16:creationId xmlns:a16="http://schemas.microsoft.com/office/drawing/2014/main" xmlns="" id="{37CCB133-5204-4257-8832-3C5DC84C9323}"/>
               </a:ext>
             </a:extLst>
           </p:cNvPr>
@@ -2523,7 +2604,7 @@
           <a:p>
             <a:fld id="{75EA521B-FDFA-4595-B6D6-A6BCCD25B025}" type="datetimeFigureOut">
               <a:rPr kumimoji="1" lang="ja-JP" altLang="en-US" smtClean="0"/>
-              <a:t>2018/5/26</a:t>
+              <a:t>2018/5/27</a:t>
             </a:fld>
             <a:endParaRPr kumimoji="1" lang="ja-JP" altLang="en-US"/>
           </a:p>
@@ -2534,7 +2615,7 @@
           <p:cNvPr id="8" name="フッター プレースホルダー 7">
             <a:extLst>
               <a:ext uri="{FF2B5EF4-FFF2-40B4-BE49-F238E27FC236}">
-                <a16:creationId xmlns="" xmlns:a16="http://schemas.microsoft.com/office/drawing/2014/main" id="{8B69A674-58B8-43F2-803B-D8F4B64D3867}"/>
+                <a16:creationId xmlns:a16="http://schemas.microsoft.com/office/drawing/2014/main" xmlns="" id="{8B69A674-58B8-43F2-803B-D8F4B64D3867}"/>
               </a:ext>
             </a:extLst>
           </p:cNvPr>
@@ -2559,7 +2640,7 @@
           <p:cNvPr id="9" name="スライド番号プレースホルダー 8">
             <a:extLst>
               <a:ext uri="{FF2B5EF4-FFF2-40B4-BE49-F238E27FC236}">
-                <a16:creationId xmlns="" xmlns:a16="http://schemas.microsoft.com/office/drawing/2014/main" id="{258EE0CB-1DC3-481C-BE13-B0C64D07C2FF}"/>
+                <a16:creationId xmlns:a16="http://schemas.microsoft.com/office/drawing/2014/main" xmlns="" id="{258EE0CB-1DC3-481C-BE13-B0C64D07C2FF}"/>
               </a:ext>
             </a:extLst>
           </p:cNvPr>
@@ -2618,7 +2699,7 @@
           <p:cNvPr id="2" name="タイトル 1">
             <a:extLst>
               <a:ext uri="{FF2B5EF4-FFF2-40B4-BE49-F238E27FC236}">
-                <a16:creationId xmlns="" xmlns:a16="http://schemas.microsoft.com/office/drawing/2014/main" id="{29CE7A56-2BD5-4E86-B6B8-FDDB51031C90}"/>
+                <a16:creationId xmlns:a16="http://schemas.microsoft.com/office/drawing/2014/main" xmlns="" id="{29CE7A56-2BD5-4E86-B6B8-FDDB51031C90}"/>
               </a:ext>
             </a:extLst>
           </p:cNvPr>
@@ -2646,7 +2727,7 @@
           <p:cNvPr id="3" name="日付プレースホルダー 2">
             <a:extLst>
               <a:ext uri="{FF2B5EF4-FFF2-40B4-BE49-F238E27FC236}">
-                <a16:creationId xmlns="" xmlns:a16="http://schemas.microsoft.com/office/drawing/2014/main" id="{69DB6501-088D-46AB-890A-C6BB835BAE6C}"/>
+                <a16:creationId xmlns:a16="http://schemas.microsoft.com/office/drawing/2014/main" xmlns="" id="{69DB6501-088D-46AB-890A-C6BB835BAE6C}"/>
               </a:ext>
             </a:extLst>
           </p:cNvPr>
@@ -2664,7 +2745,7 @@
           <a:p>
             <a:fld id="{75EA521B-FDFA-4595-B6D6-A6BCCD25B025}" type="datetimeFigureOut">
               <a:rPr kumimoji="1" lang="ja-JP" altLang="en-US" smtClean="0"/>
-              <a:t>2018/5/26</a:t>
+              <a:t>2018/5/27</a:t>
             </a:fld>
             <a:endParaRPr kumimoji="1" lang="ja-JP" altLang="en-US"/>
           </a:p>
@@ -2675,7 +2756,7 @@
           <p:cNvPr id="4" name="フッター プレースホルダー 3">
             <a:extLst>
               <a:ext uri="{FF2B5EF4-FFF2-40B4-BE49-F238E27FC236}">
-                <a16:creationId xmlns="" xmlns:a16="http://schemas.microsoft.com/office/drawing/2014/main" id="{8E9357B7-3D5A-4341-BA00-28A2BE55D86A}"/>
+                <a16:creationId xmlns:a16="http://schemas.microsoft.com/office/drawing/2014/main" xmlns="" id="{8E9357B7-3D5A-4341-BA00-28A2BE55D86A}"/>
               </a:ext>
             </a:extLst>
           </p:cNvPr>
@@ -2700,7 +2781,7 @@
           <p:cNvPr id="5" name="スライド番号プレースホルダー 4">
             <a:extLst>
               <a:ext uri="{FF2B5EF4-FFF2-40B4-BE49-F238E27FC236}">
-                <a16:creationId xmlns="" xmlns:a16="http://schemas.microsoft.com/office/drawing/2014/main" id="{7D32D81B-4C73-4B6B-A8B3-8D870FDD7C14}"/>
+                <a16:creationId xmlns:a16="http://schemas.microsoft.com/office/drawing/2014/main" xmlns="" id="{7D32D81B-4C73-4B6B-A8B3-8D870FDD7C14}"/>
               </a:ext>
             </a:extLst>
           </p:cNvPr>
@@ -2759,7 +2840,7 @@
           <p:cNvPr id="2" name="日付プレースホルダー 1">
             <a:extLst>
               <a:ext uri="{FF2B5EF4-FFF2-40B4-BE49-F238E27FC236}">
-                <a16:creationId xmlns="" xmlns:a16="http://schemas.microsoft.com/office/drawing/2014/main" id="{501E43B9-7F43-49FA-993C-646D365B66E8}"/>
+                <a16:creationId xmlns:a16="http://schemas.microsoft.com/office/drawing/2014/main" xmlns="" id="{501E43B9-7F43-49FA-993C-646D365B66E8}"/>
               </a:ext>
             </a:extLst>
           </p:cNvPr>
@@ -2777,7 +2858,7 @@
           <a:p>
             <a:fld id="{75EA521B-FDFA-4595-B6D6-A6BCCD25B025}" type="datetimeFigureOut">
               <a:rPr kumimoji="1" lang="ja-JP" altLang="en-US" smtClean="0"/>
-              <a:t>2018/5/26</a:t>
+              <a:t>2018/5/27</a:t>
             </a:fld>
             <a:endParaRPr kumimoji="1" lang="ja-JP" altLang="en-US"/>
           </a:p>
@@ -2788,7 +2869,7 @@
           <p:cNvPr id="3" name="フッター プレースホルダー 2">
             <a:extLst>
               <a:ext uri="{FF2B5EF4-FFF2-40B4-BE49-F238E27FC236}">
-                <a16:creationId xmlns="" xmlns:a16="http://schemas.microsoft.com/office/drawing/2014/main" id="{1B5814F9-43E9-4639-8804-D0FE50526812}"/>
+                <a16:creationId xmlns:a16="http://schemas.microsoft.com/office/drawing/2014/main" xmlns="" id="{1B5814F9-43E9-4639-8804-D0FE50526812}"/>
               </a:ext>
             </a:extLst>
           </p:cNvPr>
@@ -2813,7 +2894,7 @@
           <p:cNvPr id="4" name="スライド番号プレースホルダー 3">
             <a:extLst>
               <a:ext uri="{FF2B5EF4-FFF2-40B4-BE49-F238E27FC236}">
-                <a16:creationId xmlns="" xmlns:a16="http://schemas.microsoft.com/office/drawing/2014/main" id="{BA12A63D-7196-4750-BE16-7AF9605F2AEC}"/>
+                <a16:creationId xmlns:a16="http://schemas.microsoft.com/office/drawing/2014/main" xmlns="" id="{BA12A63D-7196-4750-BE16-7AF9605F2AEC}"/>
               </a:ext>
             </a:extLst>
           </p:cNvPr>
@@ -2872,7 +2953,7 @@
           <p:cNvPr id="2" name="タイトル 1">
             <a:extLst>
               <a:ext uri="{FF2B5EF4-FFF2-40B4-BE49-F238E27FC236}">
-                <a16:creationId xmlns="" xmlns:a16="http://schemas.microsoft.com/office/drawing/2014/main" id="{4BA3E28E-1453-4FC5-BD87-509FD94A1713}"/>
+                <a16:creationId xmlns:a16="http://schemas.microsoft.com/office/drawing/2014/main" xmlns="" id="{4BA3E28E-1453-4FC5-BD87-509FD94A1713}"/>
               </a:ext>
             </a:extLst>
           </p:cNvPr>
@@ -2909,7 +2990,7 @@
           <p:cNvPr id="3" name="コンテンツ プレースホルダー 2">
             <a:extLst>
               <a:ext uri="{FF2B5EF4-FFF2-40B4-BE49-F238E27FC236}">
-                <a16:creationId xmlns="" xmlns:a16="http://schemas.microsoft.com/office/drawing/2014/main" id="{36A36CFD-9E56-45B6-BF79-D9A6D9085A58}"/>
+                <a16:creationId xmlns:a16="http://schemas.microsoft.com/office/drawing/2014/main" xmlns="" id="{36A36CFD-9E56-45B6-BF79-D9A6D9085A58}"/>
               </a:ext>
             </a:extLst>
           </p:cNvPr>
@@ -3031,7 +3112,7 @@
           <p:cNvPr id="4" name="テキスト プレースホルダー 3">
             <a:extLst>
               <a:ext uri="{FF2B5EF4-FFF2-40B4-BE49-F238E27FC236}">
-                <a16:creationId xmlns="" xmlns:a16="http://schemas.microsoft.com/office/drawing/2014/main" id="{F93C75F6-EC2F-4F16-B9D1-FD93F3473C6F}"/>
+                <a16:creationId xmlns:a16="http://schemas.microsoft.com/office/drawing/2014/main" xmlns="" id="{F93C75F6-EC2F-4F16-B9D1-FD93F3473C6F}"/>
               </a:ext>
             </a:extLst>
           </p:cNvPr>
@@ -3102,7 +3183,7 @@
           <p:cNvPr id="5" name="日付プレースホルダー 4">
             <a:extLst>
               <a:ext uri="{FF2B5EF4-FFF2-40B4-BE49-F238E27FC236}">
-                <a16:creationId xmlns="" xmlns:a16="http://schemas.microsoft.com/office/drawing/2014/main" id="{D7D99318-F446-4715-930E-0A7EF11F5627}"/>
+                <a16:creationId xmlns:a16="http://schemas.microsoft.com/office/drawing/2014/main" xmlns="" id="{D7D99318-F446-4715-930E-0A7EF11F5627}"/>
               </a:ext>
             </a:extLst>
           </p:cNvPr>
@@ -3120,7 +3201,7 @@
           <a:p>
             <a:fld id="{75EA521B-FDFA-4595-B6D6-A6BCCD25B025}" type="datetimeFigureOut">
               <a:rPr kumimoji="1" lang="ja-JP" altLang="en-US" smtClean="0"/>
-              <a:t>2018/5/26</a:t>
+              <a:t>2018/5/27</a:t>
             </a:fld>
             <a:endParaRPr kumimoji="1" lang="ja-JP" altLang="en-US"/>
           </a:p>
@@ -3131,7 +3212,7 @@
           <p:cNvPr id="6" name="フッター プレースホルダー 5">
             <a:extLst>
               <a:ext uri="{FF2B5EF4-FFF2-40B4-BE49-F238E27FC236}">
-                <a16:creationId xmlns="" xmlns:a16="http://schemas.microsoft.com/office/drawing/2014/main" id="{94E79FA2-B770-4266-9776-6F8CCF1C53F8}"/>
+                <a16:creationId xmlns:a16="http://schemas.microsoft.com/office/drawing/2014/main" xmlns="" id="{94E79FA2-B770-4266-9776-6F8CCF1C53F8}"/>
               </a:ext>
             </a:extLst>
           </p:cNvPr>
@@ -3156,7 +3237,7 @@
           <p:cNvPr id="7" name="スライド番号プレースホルダー 6">
             <a:extLst>
               <a:ext uri="{FF2B5EF4-FFF2-40B4-BE49-F238E27FC236}">
-                <a16:creationId xmlns="" xmlns:a16="http://schemas.microsoft.com/office/drawing/2014/main" id="{5A39E008-98B8-42D2-82B7-92C0A3F4FBF3}"/>
+                <a16:creationId xmlns:a16="http://schemas.microsoft.com/office/drawing/2014/main" xmlns="" id="{5A39E008-98B8-42D2-82B7-92C0A3F4FBF3}"/>
               </a:ext>
             </a:extLst>
           </p:cNvPr>
@@ -3215,7 +3296,7 @@
           <p:cNvPr id="2" name="タイトル 1">
             <a:extLst>
               <a:ext uri="{FF2B5EF4-FFF2-40B4-BE49-F238E27FC236}">
-                <a16:creationId xmlns="" xmlns:a16="http://schemas.microsoft.com/office/drawing/2014/main" id="{F178F932-1CAB-4749-9D1B-4F092CBEA83C}"/>
+                <a16:creationId xmlns:a16="http://schemas.microsoft.com/office/drawing/2014/main" xmlns="" id="{F178F932-1CAB-4749-9D1B-4F092CBEA83C}"/>
               </a:ext>
             </a:extLst>
           </p:cNvPr>
@@ -3252,7 +3333,7 @@
           <p:cNvPr id="3" name="図プレースホルダー 2">
             <a:extLst>
               <a:ext uri="{FF2B5EF4-FFF2-40B4-BE49-F238E27FC236}">
-                <a16:creationId xmlns="" xmlns:a16="http://schemas.microsoft.com/office/drawing/2014/main" id="{9F66EAAB-E18A-488D-951B-E69B822801F4}"/>
+                <a16:creationId xmlns:a16="http://schemas.microsoft.com/office/drawing/2014/main" xmlns="" id="{9F66EAAB-E18A-488D-951B-E69B822801F4}"/>
               </a:ext>
             </a:extLst>
           </p:cNvPr>
@@ -3319,7 +3400,7 @@
           <p:cNvPr id="4" name="テキスト プレースホルダー 3">
             <a:extLst>
               <a:ext uri="{FF2B5EF4-FFF2-40B4-BE49-F238E27FC236}">
-                <a16:creationId xmlns="" xmlns:a16="http://schemas.microsoft.com/office/drawing/2014/main" id="{DFD72A90-CE01-4A3C-8EF5-1E6EA1ACCD8F}"/>
+                <a16:creationId xmlns:a16="http://schemas.microsoft.com/office/drawing/2014/main" xmlns="" id="{DFD72A90-CE01-4A3C-8EF5-1E6EA1ACCD8F}"/>
               </a:ext>
             </a:extLst>
           </p:cNvPr>
@@ -3390,7 +3471,7 @@
           <p:cNvPr id="5" name="日付プレースホルダー 4">
             <a:extLst>
               <a:ext uri="{FF2B5EF4-FFF2-40B4-BE49-F238E27FC236}">
-                <a16:creationId xmlns="" xmlns:a16="http://schemas.microsoft.com/office/drawing/2014/main" id="{E71DCB4C-5D8B-42E6-8917-18877365957D}"/>
+                <a16:creationId xmlns:a16="http://schemas.microsoft.com/office/drawing/2014/main" xmlns="" id="{E71DCB4C-5D8B-42E6-8917-18877365957D}"/>
               </a:ext>
             </a:extLst>
           </p:cNvPr>
@@ -3408,7 +3489,7 @@
           <a:p>
             <a:fld id="{75EA521B-FDFA-4595-B6D6-A6BCCD25B025}" type="datetimeFigureOut">
               <a:rPr kumimoji="1" lang="ja-JP" altLang="en-US" smtClean="0"/>
-              <a:t>2018/5/26</a:t>
+              <a:t>2018/5/27</a:t>
             </a:fld>
             <a:endParaRPr kumimoji="1" lang="ja-JP" altLang="en-US"/>
           </a:p>
@@ -3419,7 +3500,7 @@
           <p:cNvPr id="6" name="フッター プレースホルダー 5">
             <a:extLst>
               <a:ext uri="{FF2B5EF4-FFF2-40B4-BE49-F238E27FC236}">
-                <a16:creationId xmlns="" xmlns:a16="http://schemas.microsoft.com/office/drawing/2014/main" id="{B7188980-6317-4DE1-8452-316963FF8DBD}"/>
+                <a16:creationId xmlns:a16="http://schemas.microsoft.com/office/drawing/2014/main" xmlns="" id="{B7188980-6317-4DE1-8452-316963FF8DBD}"/>
               </a:ext>
             </a:extLst>
           </p:cNvPr>
@@ -3444,7 +3525,7 @@
           <p:cNvPr id="7" name="スライド番号プレースホルダー 6">
             <a:extLst>
               <a:ext uri="{FF2B5EF4-FFF2-40B4-BE49-F238E27FC236}">
-                <a16:creationId xmlns="" xmlns:a16="http://schemas.microsoft.com/office/drawing/2014/main" id="{AFFC8C2C-9CE8-46CD-95F8-4E5255F3EE34}"/>
+                <a16:creationId xmlns:a16="http://schemas.microsoft.com/office/drawing/2014/main" xmlns="" id="{AFFC8C2C-9CE8-46CD-95F8-4E5255F3EE34}"/>
               </a:ext>
             </a:extLst>
           </p:cNvPr>
@@ -3508,7 +3589,7 @@
           <p:cNvPr id="2" name="タイトル プレースホルダー 1">
             <a:extLst>
               <a:ext uri="{FF2B5EF4-FFF2-40B4-BE49-F238E27FC236}">
-                <a16:creationId xmlns="" xmlns:a16="http://schemas.microsoft.com/office/drawing/2014/main" id="{94C2E8AB-B025-43B6-948F-99AFDFB875A9}"/>
+                <a16:creationId xmlns:a16="http://schemas.microsoft.com/office/drawing/2014/main" xmlns="" id="{94C2E8AB-B025-43B6-948F-99AFDFB875A9}"/>
               </a:ext>
             </a:extLst>
           </p:cNvPr>
@@ -3546,7 +3627,7 @@
           <p:cNvPr id="3" name="テキスト プレースホルダー 2">
             <a:extLst>
               <a:ext uri="{FF2B5EF4-FFF2-40B4-BE49-F238E27FC236}">
-                <a16:creationId xmlns="" xmlns:a16="http://schemas.microsoft.com/office/drawing/2014/main" id="{66670018-B5D6-4CC2-ABA5-3EFB5B0D627C}"/>
+                <a16:creationId xmlns:a16="http://schemas.microsoft.com/office/drawing/2014/main" xmlns="" id="{66670018-B5D6-4CC2-ABA5-3EFB5B0D627C}"/>
               </a:ext>
             </a:extLst>
           </p:cNvPr>
@@ -3645,7 +3726,7 @@
           <p:cNvPr id="4" name="日付プレースホルダー 3">
             <a:extLst>
               <a:ext uri="{FF2B5EF4-FFF2-40B4-BE49-F238E27FC236}">
-                <a16:creationId xmlns="" xmlns:a16="http://schemas.microsoft.com/office/drawing/2014/main" id="{511848EB-ECFB-4891-96DF-1627662BEC53}"/>
+                <a16:creationId xmlns:a16="http://schemas.microsoft.com/office/drawing/2014/main" xmlns="" id="{511848EB-ECFB-4891-96DF-1627662BEC53}"/>
               </a:ext>
             </a:extLst>
           </p:cNvPr>
@@ -3681,7 +3762,7 @@
           <a:p>
             <a:fld id="{75EA521B-FDFA-4595-B6D6-A6BCCD25B025}" type="datetimeFigureOut">
               <a:rPr kumimoji="1" lang="ja-JP" altLang="en-US" smtClean="0"/>
-              <a:t>2018/5/26</a:t>
+              <a:t>2018/5/27</a:t>
             </a:fld>
             <a:endParaRPr kumimoji="1" lang="ja-JP" altLang="en-US"/>
           </a:p>
@@ -3692,7 +3773,7 @@
           <p:cNvPr id="5" name="フッター プレースホルダー 4">
             <a:extLst>
               <a:ext uri="{FF2B5EF4-FFF2-40B4-BE49-F238E27FC236}">
-                <a16:creationId xmlns="" xmlns:a16="http://schemas.microsoft.com/office/drawing/2014/main" id="{827FB0D6-D39C-4D88-8F94-3F0ED1192850}"/>
+                <a16:creationId xmlns:a16="http://schemas.microsoft.com/office/drawing/2014/main" xmlns="" id="{827FB0D6-D39C-4D88-8F94-3F0ED1192850}"/>
               </a:ext>
             </a:extLst>
           </p:cNvPr>
@@ -3735,7 +3816,7 @@
           <p:cNvPr id="6" name="スライド番号プレースホルダー 5">
             <a:extLst>
               <a:ext uri="{FF2B5EF4-FFF2-40B4-BE49-F238E27FC236}">
-                <a16:creationId xmlns="" xmlns:a16="http://schemas.microsoft.com/office/drawing/2014/main" id="{C2D8F085-3369-4B75-8279-775643219716}"/>
+                <a16:creationId xmlns:a16="http://schemas.microsoft.com/office/drawing/2014/main" xmlns="" id="{C2D8F085-3369-4B75-8279-775643219716}"/>
               </a:ext>
             </a:extLst>
           </p:cNvPr>
@@ -4103,7 +4184,7 @@
           <p:cNvPr id="2" name="タイトル 1">
             <a:extLst>
               <a:ext uri="{FF2B5EF4-FFF2-40B4-BE49-F238E27FC236}">
-                <a16:creationId xmlns="" xmlns:a16="http://schemas.microsoft.com/office/drawing/2014/main" id="{0F918AB7-B6CC-469A-9228-883F268FD20E}"/>
+                <a16:creationId xmlns:a16="http://schemas.microsoft.com/office/drawing/2014/main" xmlns="" id="{0F918AB7-B6CC-469A-9228-883F268FD20E}"/>
               </a:ext>
             </a:extLst>
           </p:cNvPr>
@@ -4139,7 +4220,7 @@
           <p:cNvPr id="3" name="字幕 2">
             <a:extLst>
               <a:ext uri="{FF2B5EF4-FFF2-40B4-BE49-F238E27FC236}">
-                <a16:creationId xmlns="" xmlns:a16="http://schemas.microsoft.com/office/drawing/2014/main" id="{47D51782-1996-46A6-B474-038A233BB6AD}"/>
+                <a16:creationId xmlns:a16="http://schemas.microsoft.com/office/drawing/2014/main" xmlns="" id="{47D51782-1996-46A6-B474-038A233BB6AD}"/>
               </a:ext>
             </a:extLst>
           </p:cNvPr>
@@ -4221,7 +4302,7 @@
           <p:cNvPr id="2" name="タイトル 1">
             <a:extLst>
               <a:ext uri="{FF2B5EF4-FFF2-40B4-BE49-F238E27FC236}">
-                <a16:creationId xmlns="" xmlns:a16="http://schemas.microsoft.com/office/drawing/2014/main" id="{2BB7F60B-2828-4C02-B7B7-BBFC86AAF71D}"/>
+                <a16:creationId xmlns:a16="http://schemas.microsoft.com/office/drawing/2014/main" xmlns="" id="{2BB7F60B-2828-4C02-B7B7-BBFC86AAF71D}"/>
               </a:ext>
             </a:extLst>
           </p:cNvPr>
@@ -4257,7 +4338,7 @@
           <p:cNvPr id="8" name="タイトル 1">
             <a:extLst>
               <a:ext uri="{FF2B5EF4-FFF2-40B4-BE49-F238E27FC236}">
-                <a16:creationId xmlns="" xmlns:a16="http://schemas.microsoft.com/office/drawing/2014/main" id="{A1001FD2-30B0-4A38-A491-B33012B28B77}"/>
+                <a16:creationId xmlns:a16="http://schemas.microsoft.com/office/drawing/2014/main" xmlns="" id="{A1001FD2-30B0-4A38-A491-B33012B28B77}"/>
               </a:ext>
             </a:extLst>
           </p:cNvPr>
@@ -4324,7 +4405,7 @@
           <p:cNvPr id="12" name="テキスト ボックス 11">
             <a:extLst>
               <a:ext uri="{FF2B5EF4-FFF2-40B4-BE49-F238E27FC236}">
-                <a16:creationId xmlns="" xmlns:a16="http://schemas.microsoft.com/office/drawing/2014/main" id="{1C78F9E8-B8F0-4346-B758-D63F34D741B5}"/>
+                <a16:creationId xmlns:a16="http://schemas.microsoft.com/office/drawing/2014/main" xmlns="" id="{1C78F9E8-B8F0-4346-B758-D63F34D741B5}"/>
               </a:ext>
             </a:extLst>
           </p:cNvPr>
@@ -4333,8 +4414,8 @@
         </p:nvSpPr>
         <p:spPr>
           <a:xfrm>
-            <a:off x="1065309" y="2636521"/>
-            <a:ext cx="10287745" cy="2585323"/>
+            <a:off x="1361871" y="2018724"/>
+            <a:ext cx="10287745" cy="3323987"/>
           </a:xfrm>
           <a:prstGeom prst="rect">
             <a:avLst/>
@@ -4353,7 +4434,19 @@
             </a:r>
             <a:r>
               <a:rPr lang="en-US" altLang="ja-JP" dirty="0"/>
-              <a:t>House price estimation from visual and textual features</a:t>
+              <a:t>House price estimation from visual and textual </a:t>
+            </a:r>
+            <a:r>
+              <a:rPr lang="en-US" altLang="ja-JP" dirty="0" smtClean="0"/>
+              <a:t>features</a:t>
+            </a:r>
+            <a:r>
+              <a:rPr lang="en-US" altLang="ja-JP" dirty="0" smtClean="0"/>
+              <a:t>(2016</a:t>
+            </a:r>
+            <a:r>
+              <a:rPr lang="ja-JP" altLang="en-US" dirty="0" smtClean="0"/>
+              <a:t>）</a:t>
             </a:r>
             <a:endParaRPr lang="ja-JP" altLang="ja-JP" dirty="0"/>
           </a:p>
@@ -4363,117 +4456,202 @@
               <a:t>　</a:t>
             </a:r>
             <a:r>
+              <a:rPr kumimoji="1" lang="ja-JP" altLang="en-US" sz="1600" dirty="0" smtClean="0"/>
+              <a:t>ー</a:t>
+            </a:r>
+            <a:r>
+              <a:rPr lang="ja-JP" altLang="ja-JP" sz="1600" dirty="0"/>
+              <a:t>家の写真から視覚的特徴を抽出し、家のテキスト情報と</a:t>
+            </a:r>
+            <a:r>
+              <a:rPr lang="ja-JP" altLang="ja-JP" sz="1600" dirty="0" smtClean="0"/>
+              <a:t>組み合わせ</a:t>
+            </a:r>
+            <a:r>
+              <a:rPr lang="ja-JP" altLang="en-US" sz="1600" dirty="0" smtClean="0"/>
+              <a:t>価格</a:t>
+            </a:r>
+            <a:r>
+              <a:rPr lang="ja-JP" altLang="en-US" sz="1600" dirty="0" smtClean="0"/>
+              <a:t>推定</a:t>
+            </a:r>
+            <a:endParaRPr lang="en-US" altLang="ja-JP" sz="1600" dirty="0" smtClean="0"/>
+          </a:p>
+          <a:p>
+            <a:r>
+              <a:rPr lang="en-US" altLang="ja-JP" sz="1600" dirty="0" smtClean="0"/>
+              <a:t>    </a:t>
+            </a:r>
+            <a:r>
+              <a:rPr lang="ja-JP" altLang="en-US" sz="1600" dirty="0" smtClean="0"/>
+              <a:t>ー</a:t>
+            </a:r>
+            <a:r>
+              <a:rPr lang="en-US" altLang="ja-JP" sz="1600" dirty="0" smtClean="0"/>
+              <a:t>SVM</a:t>
+            </a:r>
+            <a:r>
+              <a:rPr lang="ja-JP" altLang="en-US" sz="1600" dirty="0" smtClean="0"/>
+              <a:t>、畳み込み</a:t>
+            </a:r>
+            <a:r>
+              <a:rPr lang="en-US" altLang="ja-JP" sz="1600" dirty="0" smtClean="0"/>
+              <a:t>NN</a:t>
+            </a:r>
+            <a:r>
+              <a:rPr lang="ja-JP" altLang="en-US" sz="1600" dirty="0" smtClean="0"/>
+              <a:t>                 </a:t>
+            </a:r>
+            <a:endParaRPr lang="ja-JP" altLang="en-US" sz="1600" dirty="0" smtClean="0"/>
+          </a:p>
+          <a:p>
+            <a:endParaRPr kumimoji="1" lang="ja-JP" altLang="en-US" dirty="0"/>
+          </a:p>
+          <a:p>
+            <a:r>
               <a:rPr kumimoji="1" lang="ja-JP" altLang="en-US" dirty="0" smtClean="0"/>
+              <a:t>・</a:t>
+            </a:r>
+            <a:r>
+              <a:rPr lang="ja-JP" altLang="ja-JP" dirty="0"/>
+              <a:t>Vision-based real estate price </a:t>
+            </a:r>
+            <a:r>
+              <a:rPr lang="ja-JP" altLang="ja-JP" dirty="0" smtClean="0"/>
+              <a:t>estimation</a:t>
+            </a:r>
+            <a:r>
+              <a:rPr lang="en-US" altLang="ja-JP" dirty="0" smtClean="0"/>
+              <a:t>(2018</a:t>
+            </a:r>
+            <a:r>
+              <a:rPr lang="ja-JP" altLang="en-US" dirty="0" smtClean="0"/>
+              <a:t>）</a:t>
+            </a:r>
+            <a:endParaRPr lang="ja-JP" altLang="en-US" dirty="0" smtClean="0"/>
+          </a:p>
+          <a:p>
+            <a:r>
+              <a:rPr lang="ja-JP" altLang="en-US" dirty="0" smtClean="0"/>
+              <a:t>　</a:t>
+            </a:r>
+            <a:r>
+              <a:rPr lang="ja-JP" altLang="en-US" sz="1600" dirty="0" smtClean="0"/>
               <a:t>ー</a:t>
             </a:r>
             <a:r>
+              <a:rPr lang="ja-JP" altLang="ja-JP" sz="1600" dirty="0"/>
+              <a:t>不動産価格の見積もりでインテリアと</a:t>
+            </a:r>
+            <a:r>
+              <a:rPr lang="ja-JP" altLang="ja-JP" sz="1600" dirty="0" smtClean="0"/>
+              <a:t>エクステリアデザイン</a:t>
+            </a:r>
+            <a:r>
+              <a:rPr lang="ja-JP" altLang="en-US" sz="1600" dirty="0" smtClean="0"/>
+              <a:t>（内装）</a:t>
+            </a:r>
+            <a:r>
+              <a:rPr lang="ja-JP" altLang="ja-JP" sz="1600" dirty="0" smtClean="0"/>
+              <a:t>の</a:t>
+            </a:r>
+            <a:r>
+              <a:rPr lang="ja-JP" altLang="ja-JP" sz="1600" dirty="0"/>
+              <a:t>影響を組み込んだ価格</a:t>
+            </a:r>
+            <a:r>
+              <a:rPr lang="ja-JP" altLang="ja-JP" sz="1600" dirty="0" smtClean="0"/>
+              <a:t>提供</a:t>
+            </a:r>
+            <a:endParaRPr lang="ja-JP" altLang="en-US" sz="1600" dirty="0" smtClean="0"/>
+          </a:p>
+          <a:p>
+            <a:r>
+              <a:rPr lang="ja-JP" altLang="en-US" sz="1600" dirty="0"/>
+              <a:t>　</a:t>
+            </a:r>
+            <a:r>
+              <a:rPr lang="ja-JP" altLang="en-US" sz="1600" dirty="0" smtClean="0"/>
+              <a:t>ー</a:t>
+            </a:r>
+            <a:r>
+              <a:rPr lang="en-US" altLang="ja-JP" sz="1600" dirty="0" smtClean="0"/>
+              <a:t>SVM</a:t>
+            </a:r>
+            <a:r>
+              <a:rPr lang="ja-JP" altLang="en-US" sz="1600" dirty="0" smtClean="0"/>
+              <a:t>、</a:t>
+            </a:r>
+            <a:r>
+              <a:rPr lang="ja-JP" altLang="ja-JP" sz="1600" dirty="0"/>
+              <a:t>畳み込みニューラルネットワーク</a:t>
+            </a:r>
+            <a:r>
+              <a:rPr lang="ja-JP" altLang="ja-JP" sz="1600" dirty="0"/>
+              <a:t> </a:t>
+            </a:r>
+            <a:r>
+              <a:rPr lang="ja-JP" altLang="ja-JP" sz="1600" dirty="0" smtClean="0"/>
+              <a:t> </a:t>
+            </a:r>
+            <a:endParaRPr lang="ja-JP" altLang="ja-JP" sz="1600" dirty="0"/>
+          </a:p>
+          <a:p>
+            <a:endParaRPr kumimoji="1" lang="en-US" altLang="ja-JP" dirty="0"/>
+          </a:p>
+          <a:p>
+            <a:r>
+              <a:rPr kumimoji="1" lang="ja-JP" altLang="en-US" dirty="0" smtClean="0"/>
+              <a:t>・</a:t>
+            </a:r>
+            <a:r>
               <a:rPr lang="ja-JP" altLang="ja-JP" dirty="0"/>
-              <a:t>家の写真から視覚的特徴を抽出し、家のテキスト情報と</a:t>
+              <a:t>Visual Estimation of Building Condition with Patch-level </a:t>
             </a:r>
             <a:r>
               <a:rPr lang="ja-JP" altLang="ja-JP" dirty="0" smtClean="0"/>
-              <a:t>組み合わせ</a:t>
+              <a:t>ConvNets</a:t>
             </a:r>
             <a:r>
               <a:rPr lang="ja-JP" altLang="en-US" dirty="0" smtClean="0"/>
-              <a:t>価格推定</a:t>
-            </a:r>
-          </a:p>
-          <a:p>
-            <a:endParaRPr kumimoji="1" lang="ja-JP" altLang="en-US" dirty="0"/>
-          </a:p>
-          <a:p>
-            <a:r>
-              <a:rPr kumimoji="1" lang="ja-JP" altLang="en-US" smtClean="0"/>
-              <a:t>・</a:t>
-            </a:r>
-            <a:r>
-              <a:rPr lang="en-US" altLang="ja-JP" dirty="0"/>
-              <a:t>Linear Regression Model</a:t>
-            </a:r>
-          </a:p>
-          <a:p>
-            <a:endParaRPr kumimoji="1" lang="en-US" altLang="ja-JP" dirty="0"/>
-          </a:p>
-          <a:p>
-            <a:r>
-              <a:rPr kumimoji="1" lang="ja-JP" altLang="en-US" dirty="0"/>
-              <a:t>・</a:t>
-            </a:r>
-            <a:r>
-              <a:rPr lang="en-US" altLang="ja-JP" dirty="0"/>
-              <a:t>Cost Function </a:t>
-            </a:r>
-          </a:p>
-          <a:p>
-            <a:endParaRPr lang="en-US" altLang="ja-JP" dirty="0"/>
-          </a:p>
-          <a:p>
-            <a:r>
-              <a:rPr lang="ja-JP" altLang="en-US" dirty="0"/>
-              <a:t>・</a:t>
-            </a:r>
-            <a:r>
-              <a:rPr lang="en-US" altLang="ja-JP" dirty="0"/>
-              <a:t>Gradient descent algorithm</a:t>
-            </a:r>
+              <a:t>（</a:t>
+            </a:r>
+            <a:r>
+              <a:rPr lang="en-US" altLang="ja-JP" dirty="0" smtClean="0"/>
+              <a:t>2018</a:t>
+            </a:r>
+            <a:r>
+              <a:rPr lang="ja-JP" altLang="en-US" dirty="0" smtClean="0"/>
+              <a:t>）</a:t>
+            </a:r>
+            <a:endParaRPr lang="ja-JP" altLang="ja-JP" dirty="0"/>
+          </a:p>
+          <a:p>
+            <a:r>
+              <a:rPr lang="ja-JP" altLang="en-US" dirty="0" smtClean="0"/>
+              <a:t>　</a:t>
+            </a:r>
+            <a:r>
+              <a:rPr lang="ja-JP" altLang="en-US" sz="1600" dirty="0" smtClean="0"/>
+              <a:t>ー外観から住宅の値引率を評価</a:t>
+            </a:r>
+          </a:p>
+          <a:p>
+            <a:r>
+              <a:rPr lang="ja-JP" altLang="en-US" sz="1600" dirty="0" smtClean="0"/>
+              <a:t>　ー</a:t>
+            </a:r>
+            <a:r>
+              <a:rPr lang="ja-JP" altLang="ja-JP" sz="1600" dirty="0" smtClean="0"/>
+              <a:t>ConvNets</a:t>
+            </a:r>
+            <a:endParaRPr lang="ja-JP" altLang="ja-JP" sz="1600" dirty="0"/>
           </a:p>
           <a:p>
             <a:r>
               <a:rPr kumimoji="1" lang="ja-JP" altLang="en-US" dirty="0"/>
               <a:t>　　</a:t>
             </a:r>
-          </a:p>
-        </p:txBody>
-      </p:sp>
-      <p:sp>
-        <p:nvSpPr>
-          <p:cNvPr id="13" name="テキスト ボックス 12">
-            <a:extLst>
-              <a:ext uri="{FF2B5EF4-FFF2-40B4-BE49-F238E27FC236}">
-                <a16:creationId xmlns="" xmlns:a16="http://schemas.microsoft.com/office/drawing/2014/main" id="{E1307E92-410F-41A0-BCBA-89BF643D3714}"/>
-              </a:ext>
-            </a:extLst>
-          </p:cNvPr>
-          <p:cNvSpPr txBox="1"/>
-          <p:nvPr/>
-        </p:nvSpPr>
-        <p:spPr>
-          <a:xfrm>
-            <a:off x="1065309" y="1625289"/>
-            <a:ext cx="6416017" cy="830997"/>
-          </a:xfrm>
-          <a:prstGeom prst="rect">
-            <a:avLst/>
-          </a:prstGeom>
-          <a:noFill/>
-        </p:spPr>
-        <p:txBody>
-          <a:bodyPr wrap="square" rtlCol="0">
-            <a:spAutoFit/>
-          </a:bodyPr>
-          <a:lstStyle/>
-          <a:p>
-            <a:r>
-              <a:rPr lang="en-US" altLang="ja-JP" sz="2400" dirty="0"/>
-              <a:t>Andrew Ng</a:t>
-            </a:r>
-            <a:r>
-              <a:rPr lang="ja-JP" altLang="en-US" sz="2400" dirty="0"/>
-              <a:t>による</a:t>
-            </a:r>
-            <a:r>
-              <a:rPr lang="en-US" altLang="ja-JP" sz="2400" dirty="0"/>
-              <a:t>Machine Learning</a:t>
-            </a:r>
-            <a:r>
-              <a:rPr lang="ja-JP" altLang="en-US" sz="2400" dirty="0"/>
-              <a:t>講義</a:t>
-            </a:r>
-            <a:endParaRPr lang="en-US" altLang="ja-JP" sz="2400" dirty="0"/>
-          </a:p>
-          <a:p>
-            <a:endParaRPr kumimoji="1" lang="ja-JP" altLang="en-US" sz="2400" b="1" dirty="0"/>
           </a:p>
         </p:txBody>
       </p:sp>
@@ -4512,7 +4690,7 @@
           <p:cNvPr id="2" name="タイトル 1">
             <a:extLst>
               <a:ext uri="{FF2B5EF4-FFF2-40B4-BE49-F238E27FC236}">
-                <a16:creationId xmlns="" xmlns:a16="http://schemas.microsoft.com/office/drawing/2014/main" id="{2BB7F60B-2828-4C02-B7B7-BBFC86AAF71D}"/>
+                <a16:creationId xmlns:a16="http://schemas.microsoft.com/office/drawing/2014/main" xmlns="" id="{2BB7F60B-2828-4C02-B7B7-BBFC86AAF71D}"/>
               </a:ext>
             </a:extLst>
           </p:cNvPr>
@@ -4525,8 +4703,8 @@
         </p:nvSpPr>
         <p:spPr>
           <a:xfrm>
-            <a:off x="681469" y="1531183"/>
-            <a:ext cx="10960308" cy="3612812"/>
+            <a:off x="4376139" y="4136937"/>
+            <a:ext cx="7375137" cy="1869455"/>
           </a:xfrm>
         </p:spPr>
         <p:txBody>
@@ -4535,111 +4713,79 @@
           </a:bodyPr>
           <a:lstStyle/>
           <a:p>
-            <a:pPr algn="ctr"/>
             <a:r>
               <a:rPr lang="en-US" altLang="ja-JP" sz="2800" dirty="0"/>
-              <a:t>ACHIEVING A HYPERLOCAL HOUSING PRICE INDEX:</a:t>
+              <a:t/>
             </a:r>
             <a:br>
               <a:rPr lang="en-US" altLang="ja-JP" sz="2800" dirty="0"/>
             </a:br>
             <a:r>
               <a:rPr lang="en-US" altLang="ja-JP" sz="2800" dirty="0"/>
-              <a:t>OVERCOMING DATA SPARSITY BY BAYESIAN</a:t>
+              <a:t/>
             </a:r>
             <a:br>
               <a:rPr lang="en-US" altLang="ja-JP" sz="2800" dirty="0"/>
             </a:br>
             <a:r>
-              <a:rPr lang="en-US" altLang="ja-JP" sz="2800" dirty="0"/>
-              <a:t>DYNAMICAL MODELING OF MULTIPLE DATA</a:t>
+              <a:rPr lang="ja-JP" altLang="en-US" sz="2800" dirty="0" smtClean="0"/>
+              <a:t>・</a:t>
+            </a:r>
+            <a:r>
+              <a:rPr lang="ja-JP" altLang="en-US" sz="2000" dirty="0" smtClean="0"/>
+              <a:t>部屋</a:t>
+            </a:r>
+            <a:r>
+              <a:rPr lang="ja-JP" altLang="en-US" sz="2000" dirty="0"/>
+              <a:t>、設備のレイアウト</a:t>
             </a:r>
             <a:br>
-              <a:rPr lang="en-US" altLang="ja-JP" sz="2800" dirty="0"/>
+              <a:rPr lang="ja-JP" altLang="en-US" sz="2000" dirty="0"/>
             </a:br>
             <a:r>
-              <a:rPr lang="en-US" altLang="ja-JP" sz="2800" dirty="0"/>
-              <a:t>STREAMS</a:t>
+              <a:rPr lang="ja-JP" altLang="en-US" sz="2000" dirty="0" smtClean="0"/>
+              <a:t>　どの</a:t>
+            </a:r>
+            <a:r>
+              <a:rPr lang="ja-JP" altLang="en-US" sz="2000" dirty="0"/>
+              <a:t>部屋どうしがつながっているか？</a:t>
             </a:r>
             <a:br>
-              <a:rPr lang="en-US" altLang="ja-JP" sz="2800" dirty="0"/>
+              <a:rPr lang="ja-JP" altLang="en-US" sz="2000" dirty="0"/>
             </a:br>
             <a:r>
-              <a:rPr lang="en-US" altLang="ja-JP" sz="2800" dirty="0"/>
-              <a:t/>
+              <a:rPr lang="ja-JP" altLang="en-US" sz="2000" dirty="0" smtClean="0"/>
+              <a:t>　玄関</a:t>
+            </a:r>
+            <a:r>
+              <a:rPr lang="ja-JP" altLang="en-US" sz="2000" dirty="0"/>
+              <a:t>とリビングの位置関係は？（来訪者から部屋の中が丸見えになってしまうかどうか？）</a:t>
             </a:r>
             <a:br>
-              <a:rPr lang="en-US" altLang="ja-JP" sz="2800" dirty="0"/>
+              <a:rPr lang="ja-JP" altLang="en-US" sz="2000" dirty="0"/>
             </a:br>
             <a:r>
-              <a:rPr lang="en-US" altLang="ja-JP" sz="2800" dirty="0"/>
-              <a:t/>
+              <a:rPr lang="ja-JP" altLang="en-US" sz="2800" dirty="0" smtClean="0">
+                <a:solidFill>
+                  <a:prstClr val="black"/>
+                </a:solidFill>
+              </a:rPr>
+              <a:t>・</a:t>
+            </a:r>
+            <a:r>
+              <a:rPr lang="ja-JP" altLang="en-US" sz="2000" dirty="0" smtClean="0"/>
+              <a:t>収納</a:t>
+            </a:r>
+            <a:r>
+              <a:rPr lang="ja-JP" altLang="en-US" sz="2000" dirty="0"/>
+              <a:t>スペースの位置、広さ</a:t>
             </a:r>
             <a:br>
-              <a:rPr lang="en-US" altLang="ja-JP" sz="2800" dirty="0"/>
-            </a:br>
-            <a:r>
-              <a:rPr lang="en-US" altLang="ja-JP" sz="2000" dirty="0"/>
-              <a:t>By You Ren, Emily B. Fox, and Andrew Bruce</a:t>
-            </a:r>
-            <a:br>
-              <a:rPr lang="en-US" altLang="ja-JP" sz="2000" dirty="0"/>
+              <a:rPr lang="ja-JP" altLang="en-US" sz="2000" dirty="0"/>
             </a:br>
             <a:r>
               <a:rPr lang="en-US" altLang="ja-JP" sz="2000" dirty="0"/>
               <a:t/>
-            </a:r>
-            <a:br>
-              <a:rPr lang="en-US" altLang="ja-JP" sz="2000" dirty="0"/>
-            </a:br>
-            <a:r>
-              <a:rPr lang="en-US" altLang="ja-JP" sz="2000" dirty="0" err="1"/>
-              <a:t>eprint</a:t>
-            </a:r>
-            <a:r>
-              <a:rPr lang="en-US" altLang="ja-JP" sz="2000" dirty="0"/>
-              <a:t> </a:t>
-            </a:r>
-            <a:r>
-              <a:rPr lang="en-US" altLang="ja-JP" sz="2000" dirty="0" err="1"/>
-              <a:t>arXiv</a:t>
-            </a:r>
-            <a:r>
-              <a:rPr lang="en-US" altLang="ja-JP" sz="2000" dirty="0"/>
-              <a:t> May </a:t>
-            </a:r>
-            <a:r>
-              <a:rPr lang="en-US" altLang="ja-JP" sz="2000" dirty="0" smtClean="0"/>
-              <a:t>2015</a:t>
-            </a:r>
-            <a:br>
-              <a:rPr lang="en-US" altLang="ja-JP" sz="2000" dirty="0" smtClean="0"/>
-            </a:br>
-            <a:r>
-              <a:rPr lang="en-US" altLang="ja-JP" sz="2000" dirty="0"/>
-              <a:t/>
-            </a:r>
-            <a:br>
-              <a:rPr lang="en-US" altLang="ja-JP" sz="2000" dirty="0"/>
-            </a:br>
-            <a:r>
-              <a:rPr lang="en-US" altLang="ja-JP" sz="2000" dirty="0" smtClean="0"/>
-              <a:t/>
-            </a:r>
-            <a:br>
-              <a:rPr lang="en-US" altLang="ja-JP" sz="2000" dirty="0" smtClean="0"/>
-            </a:br>
-            <a:r>
-              <a:rPr lang="en-US" altLang="ja-JP" sz="2000" dirty="0"/>
-              <a:t>URL: https://</a:t>
-            </a:r>
-            <a:r>
-              <a:rPr lang="en-US" altLang="ja-JP" sz="2000" dirty="0" err="1"/>
-              <a:t>arxiv.org</a:t>
-            </a:r>
-            <a:r>
-              <a:rPr lang="en-US" altLang="ja-JP" sz="2000" dirty="0"/>
-              <a:t>/pdf/1505.01164.pdf </a:t>
             </a:r>
             <a:br>
               <a:rPr lang="en-US" altLang="ja-JP" sz="2000" dirty="0"/>
@@ -4660,7 +4806,7 @@
           <p:cNvPr id="8" name="タイトル 1">
             <a:extLst>
               <a:ext uri="{FF2B5EF4-FFF2-40B4-BE49-F238E27FC236}">
-                <a16:creationId xmlns="" xmlns:a16="http://schemas.microsoft.com/office/drawing/2014/main" id="{A1001FD2-30B0-4A38-A491-B33012B28B77}"/>
+                <a16:creationId xmlns:a16="http://schemas.microsoft.com/office/drawing/2014/main" xmlns="" id="{A1001FD2-30B0-4A38-A491-B33012B28B77}"/>
               </a:ext>
             </a:extLst>
           </p:cNvPr>
@@ -4722,6 +4868,36 @@
           </a:p>
         </p:txBody>
       </p:sp>
+      <p:pic>
+        <p:nvPicPr>
+          <p:cNvPr id="3" name="図 2"/>
+          <p:cNvPicPr>
+            <a:picLocks noChangeAspect="1"/>
+          </p:cNvPicPr>
+          <p:nvPr/>
+        </p:nvPicPr>
+        <p:blipFill>
+          <a:blip r:embed="rId3">
+            <a:extLst>
+              <a:ext uri="{28A0092B-C50C-407E-A947-70E740481C1C}">
+                <a14:useLocalDpi xmlns:a14="http://schemas.microsoft.com/office/drawing/2010/main" val="0"/>
+              </a:ext>
+            </a:extLst>
+          </a:blip>
+          <a:stretch>
+            <a:fillRect/>
+          </a:stretch>
+        </p:blipFill>
+        <p:spPr>
+          <a:xfrm>
+            <a:off x="1281327" y="1235675"/>
+            <a:ext cx="2178565" cy="2901262"/>
+          </a:xfrm>
+          <a:prstGeom prst="rect">
+            <a:avLst/>
+          </a:prstGeom>
+        </p:spPr>
+      </p:pic>
     </p:spTree>
     <p:extLst>
       <p:ext uri="{BB962C8B-B14F-4D97-AF65-F5344CB8AC3E}">
@@ -4754,13 +4930,7 @@
       </p:grpSpPr>
       <p:sp>
         <p:nvSpPr>
-          <p:cNvPr id="2" name="タイトル 1">
-            <a:extLst>
-              <a:ext uri="{FF2B5EF4-FFF2-40B4-BE49-F238E27FC236}">
-                <a16:creationId xmlns="" xmlns:a16="http://schemas.microsoft.com/office/drawing/2014/main" id="{2BB7F60B-2828-4C02-B7B7-BBFC86AAF71D}"/>
-              </a:ext>
-            </a:extLst>
-          </p:cNvPr>
+          <p:cNvPr id="2" name="タイトル 1"/>
           <p:cNvSpPr>
             <a:spLocks noGrp="1"/>
           </p:cNvSpPr>
@@ -4770,8 +4940,8 @@
         </p:nvSpPr>
         <p:spPr>
           <a:xfrm>
-            <a:off x="558630" y="1604682"/>
-            <a:ext cx="2566827" cy="510988"/>
+            <a:off x="764059" y="661687"/>
+            <a:ext cx="10515600" cy="672843"/>
           </a:xfrm>
         </p:spPr>
         <p:txBody>
@@ -4781,778 +4951,47 @@
           <a:lstStyle/>
           <a:p>
             <a:r>
-              <a:rPr kumimoji="1" lang="ja-JP" altLang="en-US" sz="2800" dirty="0"/>
-              <a:t>既存の価値推定</a:t>
-            </a:r>
-          </a:p>
-        </p:txBody>
-      </p:sp>
-      <p:sp>
-        <p:nvSpPr>
-          <p:cNvPr id="8" name="タイトル 1">
-            <a:extLst>
-              <a:ext uri="{FF2B5EF4-FFF2-40B4-BE49-F238E27FC236}">
-                <a16:creationId xmlns="" xmlns:a16="http://schemas.microsoft.com/office/drawing/2014/main" id="{A1001FD2-30B0-4A38-A491-B33012B28B77}"/>
-              </a:ext>
-            </a:extLst>
-          </p:cNvPr>
-          <p:cNvSpPr txBox="1">
-            <a:spLocks/>
-          </p:cNvSpPr>
+              <a:rPr kumimoji="1" lang="ja-JP" altLang="en-US" smtClean="0"/>
+              <a:t>タスク</a:t>
+            </a:r>
+            <a:endParaRPr kumimoji="1" lang="ja-JP" altLang="en-US" dirty="0"/>
+          </a:p>
+        </p:txBody>
+      </p:sp>
+      <p:sp>
+        <p:nvSpPr>
+          <p:cNvPr id="4" name="テキスト ボックス 3"/>
+          <p:cNvSpPr txBox="1"/>
           <p:nvPr/>
         </p:nvSpPr>
         <p:spPr>
           <a:xfrm>
-            <a:off x="0" y="-80683"/>
-            <a:ext cx="12192000" cy="510987"/>
+            <a:off x="2842054" y="1865870"/>
+            <a:ext cx="7747686" cy="369332"/>
           </a:xfrm>
           <a:prstGeom prst="rect">
             <a:avLst/>
           </a:prstGeom>
-          <a:solidFill>
-            <a:schemeClr val="accent6"/>
-          </a:solidFill>
+          <a:noFill/>
         </p:spPr>
         <p:txBody>
-          <a:bodyPr vert="horz" lIns="91440" tIns="45720" rIns="91440" bIns="45720" rtlCol="0" anchor="ctr">
-            <a:noAutofit/>
+          <a:bodyPr wrap="square" rtlCol="0">
+            <a:spAutoFit/>
           </a:bodyPr>
-          <a:lstStyle>
-            <a:lvl1pPr algn="l" defTabSz="914400" rtl="0" eaLnBrk="1" latinLnBrk="0" hangingPunct="1">
-              <a:lnSpc>
-                <a:spcPct val="90000"/>
-              </a:lnSpc>
-              <a:spcBef>
-                <a:spcPct val="0"/>
-              </a:spcBef>
-              <a:buNone/>
-              <a:defRPr kumimoji="1" sz="4400" kern="1200">
-                <a:solidFill>
-                  <a:schemeClr val="tx1"/>
-                </a:solidFill>
-                <a:latin typeface="+mj-lt"/>
-                <a:ea typeface="+mj-ea"/>
-                <a:cs typeface="+mj-cs"/>
-              </a:defRPr>
-            </a:lvl1pPr>
-          </a:lstStyle>
-          <a:p>
-            <a:pPr algn="ctr"/>
-            <a:r>
-              <a:rPr lang="en-US" altLang="ja-JP" sz="3600" b="1">
-                <a:solidFill>
-                  <a:schemeClr val="bg1"/>
-                </a:solidFill>
-              </a:rPr>
-              <a:t>What I did last week.</a:t>
-            </a:r>
-            <a:endParaRPr lang="ja-JP" altLang="en-US" sz="3600" b="1" dirty="0">
-              <a:solidFill>
-                <a:schemeClr val="bg1"/>
-              </a:solidFill>
-            </a:endParaRPr>
-          </a:p>
-        </p:txBody>
-      </p:sp>
-      <p:sp>
-        <p:nvSpPr>
-          <p:cNvPr id="6" name="コンテンツ プレースホルダー 2">
-            <a:extLst>
-              <a:ext uri="{FF2B5EF4-FFF2-40B4-BE49-F238E27FC236}">
-                <a16:creationId xmlns="" xmlns:a16="http://schemas.microsoft.com/office/drawing/2014/main" id="{F16DD505-D7F4-4C85-83C8-B93509937117}"/>
-              </a:ext>
-            </a:extLst>
-          </p:cNvPr>
-          <p:cNvSpPr txBox="1">
-            <a:spLocks/>
-          </p:cNvSpPr>
-          <p:nvPr/>
-        </p:nvSpPr>
-        <p:spPr>
-          <a:xfrm>
-            <a:off x="694893" y="2154476"/>
-            <a:ext cx="11498388" cy="950769"/>
-          </a:xfrm>
-          <a:prstGeom prst="rect">
-            <a:avLst/>
-          </a:prstGeom>
-        </p:spPr>
-        <p:txBody>
-          <a:bodyPr vert="horz" lIns="91440" tIns="45720" rIns="91440" bIns="45720" rtlCol="0">
-            <a:normAutofit fontScale="92500"/>
-          </a:bodyPr>
-          <a:lstStyle>
-            <a:lvl1pPr marL="228600" indent="-228600" algn="l" defTabSz="914400" rtl="0" eaLnBrk="1" latinLnBrk="0" hangingPunct="1">
-              <a:lnSpc>
-                <a:spcPct val="90000"/>
-              </a:lnSpc>
-              <a:spcBef>
-                <a:spcPts val="1000"/>
-              </a:spcBef>
-              <a:buFont typeface="Arial" panose="020B0604020202020204" pitchFamily="34" charset="0"/>
-              <a:buChar char="•"/>
-              <a:defRPr kumimoji="1" sz="2800" kern="1200">
-                <a:solidFill>
-                  <a:schemeClr val="tx1"/>
-                </a:solidFill>
-                <a:latin typeface="+mn-lt"/>
-                <a:ea typeface="+mn-ea"/>
-                <a:cs typeface="+mn-cs"/>
-              </a:defRPr>
-            </a:lvl1pPr>
-            <a:lvl2pPr marL="685800" indent="-228600" algn="l" defTabSz="914400" rtl="0" eaLnBrk="1" latinLnBrk="0" hangingPunct="1">
-              <a:lnSpc>
-                <a:spcPct val="90000"/>
-              </a:lnSpc>
-              <a:spcBef>
-                <a:spcPts val="500"/>
-              </a:spcBef>
-              <a:buFont typeface="Arial" panose="020B0604020202020204" pitchFamily="34" charset="0"/>
-              <a:buChar char="•"/>
-              <a:defRPr kumimoji="1" sz="2400" kern="1200">
-                <a:solidFill>
-                  <a:schemeClr val="tx1"/>
-                </a:solidFill>
-                <a:latin typeface="+mn-lt"/>
-                <a:ea typeface="+mn-ea"/>
-                <a:cs typeface="+mn-cs"/>
-              </a:defRPr>
-            </a:lvl2pPr>
-            <a:lvl3pPr marL="1143000" indent="-228600" algn="l" defTabSz="914400" rtl="0" eaLnBrk="1" latinLnBrk="0" hangingPunct="1">
-              <a:lnSpc>
-                <a:spcPct val="90000"/>
-              </a:lnSpc>
-              <a:spcBef>
-                <a:spcPts val="500"/>
-              </a:spcBef>
-              <a:buFont typeface="Arial" panose="020B0604020202020204" pitchFamily="34" charset="0"/>
-              <a:buChar char="•"/>
-              <a:defRPr kumimoji="1" sz="2000" kern="1200">
-                <a:solidFill>
-                  <a:schemeClr val="tx1"/>
-                </a:solidFill>
-                <a:latin typeface="+mn-lt"/>
-                <a:ea typeface="+mn-ea"/>
-                <a:cs typeface="+mn-cs"/>
-              </a:defRPr>
-            </a:lvl3pPr>
-            <a:lvl4pPr marL="1600200" indent="-228600" algn="l" defTabSz="914400" rtl="0" eaLnBrk="1" latinLnBrk="0" hangingPunct="1">
-              <a:lnSpc>
-                <a:spcPct val="90000"/>
-              </a:lnSpc>
-              <a:spcBef>
-                <a:spcPts val="500"/>
-              </a:spcBef>
-              <a:buFont typeface="Arial" panose="020B0604020202020204" pitchFamily="34" charset="0"/>
-              <a:buChar char="•"/>
-              <a:defRPr kumimoji="1" sz="1800" kern="1200">
-                <a:solidFill>
-                  <a:schemeClr val="tx1"/>
-                </a:solidFill>
-                <a:latin typeface="+mn-lt"/>
-                <a:ea typeface="+mn-ea"/>
-                <a:cs typeface="+mn-cs"/>
-              </a:defRPr>
-            </a:lvl4pPr>
-            <a:lvl5pPr marL="2057400" indent="-228600" algn="l" defTabSz="914400" rtl="0" eaLnBrk="1" latinLnBrk="0" hangingPunct="1">
-              <a:lnSpc>
-                <a:spcPct val="90000"/>
-              </a:lnSpc>
-              <a:spcBef>
-                <a:spcPts val="500"/>
-              </a:spcBef>
-              <a:buFont typeface="Arial" panose="020B0604020202020204" pitchFamily="34" charset="0"/>
-              <a:buChar char="•"/>
-              <a:defRPr kumimoji="1" sz="1800" kern="1200">
-                <a:solidFill>
-                  <a:schemeClr val="tx1"/>
-                </a:solidFill>
-                <a:latin typeface="+mn-lt"/>
-                <a:ea typeface="+mn-ea"/>
-                <a:cs typeface="+mn-cs"/>
-              </a:defRPr>
-            </a:lvl5pPr>
-            <a:lvl6pPr marL="2514600" indent="-228600" algn="l" defTabSz="914400" rtl="0" eaLnBrk="1" latinLnBrk="0" hangingPunct="1">
-              <a:lnSpc>
-                <a:spcPct val="90000"/>
-              </a:lnSpc>
-              <a:spcBef>
-                <a:spcPts val="500"/>
-              </a:spcBef>
-              <a:buFont typeface="Arial" panose="020B0604020202020204" pitchFamily="34" charset="0"/>
-              <a:buChar char="•"/>
-              <a:defRPr kumimoji="1" sz="1800" kern="1200">
-                <a:solidFill>
-                  <a:schemeClr val="tx1"/>
-                </a:solidFill>
-                <a:latin typeface="+mn-lt"/>
-                <a:ea typeface="+mn-ea"/>
-                <a:cs typeface="+mn-cs"/>
-              </a:defRPr>
-            </a:lvl6pPr>
-            <a:lvl7pPr marL="2971800" indent="-228600" algn="l" defTabSz="914400" rtl="0" eaLnBrk="1" latinLnBrk="0" hangingPunct="1">
-              <a:lnSpc>
-                <a:spcPct val="90000"/>
-              </a:lnSpc>
-              <a:spcBef>
-                <a:spcPts val="500"/>
-              </a:spcBef>
-              <a:buFont typeface="Arial" panose="020B0604020202020204" pitchFamily="34" charset="0"/>
-              <a:buChar char="•"/>
-              <a:defRPr kumimoji="1" sz="1800" kern="1200">
-                <a:solidFill>
-                  <a:schemeClr val="tx1"/>
-                </a:solidFill>
-                <a:latin typeface="+mn-lt"/>
-                <a:ea typeface="+mn-ea"/>
-                <a:cs typeface="+mn-cs"/>
-              </a:defRPr>
-            </a:lvl7pPr>
-            <a:lvl8pPr marL="3429000" indent="-228600" algn="l" defTabSz="914400" rtl="0" eaLnBrk="1" latinLnBrk="0" hangingPunct="1">
-              <a:lnSpc>
-                <a:spcPct val="90000"/>
-              </a:lnSpc>
-              <a:spcBef>
-                <a:spcPts val="500"/>
-              </a:spcBef>
-              <a:buFont typeface="Arial" panose="020B0604020202020204" pitchFamily="34" charset="0"/>
-              <a:buChar char="•"/>
-              <a:defRPr kumimoji="1" sz="1800" kern="1200">
-                <a:solidFill>
-                  <a:schemeClr val="tx1"/>
-                </a:solidFill>
-                <a:latin typeface="+mn-lt"/>
-                <a:ea typeface="+mn-ea"/>
-                <a:cs typeface="+mn-cs"/>
-              </a:defRPr>
-            </a:lvl8pPr>
-            <a:lvl9pPr marL="3886200" indent="-228600" algn="l" defTabSz="914400" rtl="0" eaLnBrk="1" latinLnBrk="0" hangingPunct="1">
-              <a:lnSpc>
-                <a:spcPct val="90000"/>
-              </a:lnSpc>
-              <a:spcBef>
-                <a:spcPts val="500"/>
-              </a:spcBef>
-              <a:buFont typeface="Arial" panose="020B0604020202020204" pitchFamily="34" charset="0"/>
-              <a:buChar char="•"/>
-              <a:defRPr kumimoji="1" sz="1800" kern="1200">
-                <a:solidFill>
-                  <a:schemeClr val="tx1"/>
-                </a:solidFill>
-                <a:latin typeface="+mn-lt"/>
-                <a:ea typeface="+mn-ea"/>
-                <a:cs typeface="+mn-cs"/>
-              </a:defRPr>
-            </a:lvl9pPr>
-          </a:lstStyle>
-          <a:p>
-            <a:pPr marL="0" indent="0">
-              <a:buNone/>
-            </a:pPr>
-            <a:r>
-              <a:rPr lang="ja-JP" altLang="en-US" dirty="0"/>
-              <a:t>時空間的に局所化された住宅販売の観察の希薄さが原因で</a:t>
-            </a:r>
-            <a:endParaRPr lang="en-US" altLang="ja-JP" dirty="0"/>
-          </a:p>
-          <a:p>
-            <a:pPr marL="0" indent="0">
-              <a:buFont typeface="Arial" panose="020B0604020202020204" pitchFamily="34" charset="0"/>
-              <a:buNone/>
-            </a:pPr>
-            <a:r>
-              <a:rPr lang="ja-JP" altLang="en-US" dirty="0"/>
-              <a:t>空間モデルの粒子が粗く、四半期での推定や郵便番号レベルの推定が限界。</a:t>
-            </a:r>
-            <a:endParaRPr lang="en-US" altLang="ja-JP" dirty="0"/>
-          </a:p>
-        </p:txBody>
-      </p:sp>
-      <p:sp>
-        <p:nvSpPr>
-          <p:cNvPr id="9" name="コンテンツ プレースホルダー 2">
-            <a:extLst>
-              <a:ext uri="{FF2B5EF4-FFF2-40B4-BE49-F238E27FC236}">
-                <a16:creationId xmlns="" xmlns:a16="http://schemas.microsoft.com/office/drawing/2014/main" id="{304C3AF2-4A43-4960-96FB-1ACD51DA9E32}"/>
-              </a:ext>
-            </a:extLst>
-          </p:cNvPr>
-          <p:cNvSpPr txBox="1">
-            <a:spLocks/>
-          </p:cNvSpPr>
-          <p:nvPr/>
-        </p:nvSpPr>
-        <p:spPr>
-          <a:xfrm>
-            <a:off x="558630" y="4777933"/>
-            <a:ext cx="11498388" cy="950769"/>
-          </a:xfrm>
-          <a:prstGeom prst="rect">
-            <a:avLst/>
-          </a:prstGeom>
-        </p:spPr>
-        <p:txBody>
-          <a:bodyPr vert="horz" lIns="91440" tIns="45720" rIns="91440" bIns="45720" rtlCol="0">
-            <a:normAutofit/>
-          </a:bodyPr>
-          <a:lstStyle>
-            <a:lvl1pPr marL="228600" indent="-228600" algn="l" defTabSz="914400" rtl="0" eaLnBrk="1" latinLnBrk="0" hangingPunct="1">
-              <a:lnSpc>
-                <a:spcPct val="90000"/>
-              </a:lnSpc>
-              <a:spcBef>
-                <a:spcPts val="1000"/>
-              </a:spcBef>
-              <a:buFont typeface="Arial" panose="020B0604020202020204" pitchFamily="34" charset="0"/>
-              <a:buChar char="•"/>
-              <a:defRPr kumimoji="1" sz="2800" kern="1200">
-                <a:solidFill>
-                  <a:schemeClr val="tx1"/>
-                </a:solidFill>
-                <a:latin typeface="+mn-lt"/>
-                <a:ea typeface="+mn-ea"/>
-                <a:cs typeface="+mn-cs"/>
-              </a:defRPr>
-            </a:lvl1pPr>
-            <a:lvl2pPr marL="685800" indent="-228600" algn="l" defTabSz="914400" rtl="0" eaLnBrk="1" latinLnBrk="0" hangingPunct="1">
-              <a:lnSpc>
-                <a:spcPct val="90000"/>
-              </a:lnSpc>
-              <a:spcBef>
-                <a:spcPts val="500"/>
-              </a:spcBef>
-              <a:buFont typeface="Arial" panose="020B0604020202020204" pitchFamily="34" charset="0"/>
-              <a:buChar char="•"/>
-              <a:defRPr kumimoji="1" sz="2400" kern="1200">
-                <a:solidFill>
-                  <a:schemeClr val="tx1"/>
-                </a:solidFill>
-                <a:latin typeface="+mn-lt"/>
-                <a:ea typeface="+mn-ea"/>
-                <a:cs typeface="+mn-cs"/>
-              </a:defRPr>
-            </a:lvl2pPr>
-            <a:lvl3pPr marL="1143000" indent="-228600" algn="l" defTabSz="914400" rtl="0" eaLnBrk="1" latinLnBrk="0" hangingPunct="1">
-              <a:lnSpc>
-                <a:spcPct val="90000"/>
-              </a:lnSpc>
-              <a:spcBef>
-                <a:spcPts val="500"/>
-              </a:spcBef>
-              <a:buFont typeface="Arial" panose="020B0604020202020204" pitchFamily="34" charset="0"/>
-              <a:buChar char="•"/>
-              <a:defRPr kumimoji="1" sz="2000" kern="1200">
-                <a:solidFill>
-                  <a:schemeClr val="tx1"/>
-                </a:solidFill>
-                <a:latin typeface="+mn-lt"/>
-                <a:ea typeface="+mn-ea"/>
-                <a:cs typeface="+mn-cs"/>
-              </a:defRPr>
-            </a:lvl3pPr>
-            <a:lvl4pPr marL="1600200" indent="-228600" algn="l" defTabSz="914400" rtl="0" eaLnBrk="1" latinLnBrk="0" hangingPunct="1">
-              <a:lnSpc>
-                <a:spcPct val="90000"/>
-              </a:lnSpc>
-              <a:spcBef>
-                <a:spcPts val="500"/>
-              </a:spcBef>
-              <a:buFont typeface="Arial" panose="020B0604020202020204" pitchFamily="34" charset="0"/>
-              <a:buChar char="•"/>
-              <a:defRPr kumimoji="1" sz="1800" kern="1200">
-                <a:solidFill>
-                  <a:schemeClr val="tx1"/>
-                </a:solidFill>
-                <a:latin typeface="+mn-lt"/>
-                <a:ea typeface="+mn-ea"/>
-                <a:cs typeface="+mn-cs"/>
-              </a:defRPr>
-            </a:lvl4pPr>
-            <a:lvl5pPr marL="2057400" indent="-228600" algn="l" defTabSz="914400" rtl="0" eaLnBrk="1" latinLnBrk="0" hangingPunct="1">
-              <a:lnSpc>
-                <a:spcPct val="90000"/>
-              </a:lnSpc>
-              <a:spcBef>
-                <a:spcPts val="500"/>
-              </a:spcBef>
-              <a:buFont typeface="Arial" panose="020B0604020202020204" pitchFamily="34" charset="0"/>
-              <a:buChar char="•"/>
-              <a:defRPr kumimoji="1" sz="1800" kern="1200">
-                <a:solidFill>
-                  <a:schemeClr val="tx1"/>
-                </a:solidFill>
-                <a:latin typeface="+mn-lt"/>
-                <a:ea typeface="+mn-ea"/>
-                <a:cs typeface="+mn-cs"/>
-              </a:defRPr>
-            </a:lvl5pPr>
-            <a:lvl6pPr marL="2514600" indent="-228600" algn="l" defTabSz="914400" rtl="0" eaLnBrk="1" latinLnBrk="0" hangingPunct="1">
-              <a:lnSpc>
-                <a:spcPct val="90000"/>
-              </a:lnSpc>
-              <a:spcBef>
-                <a:spcPts val="500"/>
-              </a:spcBef>
-              <a:buFont typeface="Arial" panose="020B0604020202020204" pitchFamily="34" charset="0"/>
-              <a:buChar char="•"/>
-              <a:defRPr kumimoji="1" sz="1800" kern="1200">
-                <a:solidFill>
-                  <a:schemeClr val="tx1"/>
-                </a:solidFill>
-                <a:latin typeface="+mn-lt"/>
-                <a:ea typeface="+mn-ea"/>
-                <a:cs typeface="+mn-cs"/>
-              </a:defRPr>
-            </a:lvl6pPr>
-            <a:lvl7pPr marL="2971800" indent="-228600" algn="l" defTabSz="914400" rtl="0" eaLnBrk="1" latinLnBrk="0" hangingPunct="1">
-              <a:lnSpc>
-                <a:spcPct val="90000"/>
-              </a:lnSpc>
-              <a:spcBef>
-                <a:spcPts val="500"/>
-              </a:spcBef>
-              <a:buFont typeface="Arial" panose="020B0604020202020204" pitchFamily="34" charset="0"/>
-              <a:buChar char="•"/>
-              <a:defRPr kumimoji="1" sz="1800" kern="1200">
-                <a:solidFill>
-                  <a:schemeClr val="tx1"/>
-                </a:solidFill>
-                <a:latin typeface="+mn-lt"/>
-                <a:ea typeface="+mn-ea"/>
-                <a:cs typeface="+mn-cs"/>
-              </a:defRPr>
-            </a:lvl7pPr>
-            <a:lvl8pPr marL="3429000" indent="-228600" algn="l" defTabSz="914400" rtl="0" eaLnBrk="1" latinLnBrk="0" hangingPunct="1">
-              <a:lnSpc>
-                <a:spcPct val="90000"/>
-              </a:lnSpc>
-              <a:spcBef>
-                <a:spcPts val="500"/>
-              </a:spcBef>
-              <a:buFont typeface="Arial" panose="020B0604020202020204" pitchFamily="34" charset="0"/>
-              <a:buChar char="•"/>
-              <a:defRPr kumimoji="1" sz="1800" kern="1200">
-                <a:solidFill>
-                  <a:schemeClr val="tx1"/>
-                </a:solidFill>
-                <a:latin typeface="+mn-lt"/>
-                <a:ea typeface="+mn-ea"/>
-                <a:cs typeface="+mn-cs"/>
-              </a:defRPr>
-            </a:lvl8pPr>
-            <a:lvl9pPr marL="3886200" indent="-228600" algn="l" defTabSz="914400" rtl="0" eaLnBrk="1" latinLnBrk="0" hangingPunct="1">
-              <a:lnSpc>
-                <a:spcPct val="90000"/>
-              </a:lnSpc>
-              <a:spcBef>
-                <a:spcPts val="500"/>
-              </a:spcBef>
-              <a:buFont typeface="Arial" panose="020B0604020202020204" pitchFamily="34" charset="0"/>
-              <a:buChar char="•"/>
-              <a:defRPr kumimoji="1" sz="1800" kern="1200">
-                <a:solidFill>
-                  <a:schemeClr val="tx1"/>
-                </a:solidFill>
-                <a:latin typeface="+mn-lt"/>
-                <a:ea typeface="+mn-ea"/>
-                <a:cs typeface="+mn-cs"/>
-              </a:defRPr>
-            </a:lvl9pPr>
-          </a:lstStyle>
-          <a:p>
-            <a:pPr marL="0" indent="0">
-              <a:buFont typeface="Arial" panose="020B0604020202020204" pitchFamily="34" charset="0"/>
-              <a:buNone/>
-            </a:pPr>
-            <a:r>
-              <a:rPr lang="ja-JP" altLang="en-US" sz="2400" dirty="0"/>
-              <a:t>空間モデルの粒子が細かく、月別での推定、家ごとで住宅指標を作成できるモデルを構築すること。</a:t>
-            </a:r>
-            <a:endParaRPr lang="en-US" altLang="ja-JP" sz="2400" dirty="0"/>
-          </a:p>
-        </p:txBody>
-      </p:sp>
-      <p:sp>
-        <p:nvSpPr>
-          <p:cNvPr id="10" name="コンテンツ プレースホルダー 2">
-            <a:extLst>
-              <a:ext uri="{FF2B5EF4-FFF2-40B4-BE49-F238E27FC236}">
-                <a16:creationId xmlns="" xmlns:a16="http://schemas.microsoft.com/office/drawing/2014/main" id="{6CBAF375-D8F7-4BE2-B32E-938D31B868FF}"/>
-              </a:ext>
-            </a:extLst>
-          </p:cNvPr>
-          <p:cNvSpPr txBox="1">
-            <a:spLocks/>
-          </p:cNvSpPr>
-          <p:nvPr/>
-        </p:nvSpPr>
-        <p:spPr>
-          <a:xfrm>
-            <a:off x="493955" y="792865"/>
-            <a:ext cx="2696176" cy="510988"/>
-          </a:xfrm>
-          <a:prstGeom prst="rect">
-            <a:avLst/>
-          </a:prstGeom>
-        </p:spPr>
-        <p:txBody>
-          <a:bodyPr vert="horz" lIns="91440" tIns="45720" rIns="91440" bIns="45720" rtlCol="0">
-            <a:noAutofit/>
-          </a:bodyPr>
-          <a:lstStyle>
-            <a:lvl1pPr marL="228600" indent="-228600" algn="l" defTabSz="914400" rtl="0" eaLnBrk="1" latinLnBrk="0" hangingPunct="1">
-              <a:lnSpc>
-                <a:spcPct val="90000"/>
-              </a:lnSpc>
-              <a:spcBef>
-                <a:spcPts val="1000"/>
-              </a:spcBef>
-              <a:buFont typeface="Arial" panose="020B0604020202020204" pitchFamily="34" charset="0"/>
-              <a:buChar char="•"/>
-              <a:defRPr kumimoji="1" sz="2800" kern="1200">
-                <a:solidFill>
-                  <a:schemeClr val="tx1"/>
-                </a:solidFill>
-                <a:latin typeface="+mn-lt"/>
-                <a:ea typeface="+mn-ea"/>
-                <a:cs typeface="+mn-cs"/>
-              </a:defRPr>
-            </a:lvl1pPr>
-            <a:lvl2pPr marL="685800" indent="-228600" algn="l" defTabSz="914400" rtl="0" eaLnBrk="1" latinLnBrk="0" hangingPunct="1">
-              <a:lnSpc>
-                <a:spcPct val="90000"/>
-              </a:lnSpc>
-              <a:spcBef>
-                <a:spcPts val="500"/>
-              </a:spcBef>
-              <a:buFont typeface="Arial" panose="020B0604020202020204" pitchFamily="34" charset="0"/>
-              <a:buChar char="•"/>
-              <a:defRPr kumimoji="1" sz="2400" kern="1200">
-                <a:solidFill>
-                  <a:schemeClr val="tx1"/>
-                </a:solidFill>
-                <a:latin typeface="+mn-lt"/>
-                <a:ea typeface="+mn-ea"/>
-                <a:cs typeface="+mn-cs"/>
-              </a:defRPr>
-            </a:lvl2pPr>
-            <a:lvl3pPr marL="1143000" indent="-228600" algn="l" defTabSz="914400" rtl="0" eaLnBrk="1" latinLnBrk="0" hangingPunct="1">
-              <a:lnSpc>
-                <a:spcPct val="90000"/>
-              </a:lnSpc>
-              <a:spcBef>
-                <a:spcPts val="500"/>
-              </a:spcBef>
-              <a:buFont typeface="Arial" panose="020B0604020202020204" pitchFamily="34" charset="0"/>
-              <a:buChar char="•"/>
-              <a:defRPr kumimoji="1" sz="2000" kern="1200">
-                <a:solidFill>
-                  <a:schemeClr val="tx1"/>
-                </a:solidFill>
-                <a:latin typeface="+mn-lt"/>
-                <a:ea typeface="+mn-ea"/>
-                <a:cs typeface="+mn-cs"/>
-              </a:defRPr>
-            </a:lvl3pPr>
-            <a:lvl4pPr marL="1600200" indent="-228600" algn="l" defTabSz="914400" rtl="0" eaLnBrk="1" latinLnBrk="0" hangingPunct="1">
-              <a:lnSpc>
-                <a:spcPct val="90000"/>
-              </a:lnSpc>
-              <a:spcBef>
-                <a:spcPts val="500"/>
-              </a:spcBef>
-              <a:buFont typeface="Arial" panose="020B0604020202020204" pitchFamily="34" charset="0"/>
-              <a:buChar char="•"/>
-              <a:defRPr kumimoji="1" sz="1800" kern="1200">
-                <a:solidFill>
-                  <a:schemeClr val="tx1"/>
-                </a:solidFill>
-                <a:latin typeface="+mn-lt"/>
-                <a:ea typeface="+mn-ea"/>
-                <a:cs typeface="+mn-cs"/>
-              </a:defRPr>
-            </a:lvl4pPr>
-            <a:lvl5pPr marL="2057400" indent="-228600" algn="l" defTabSz="914400" rtl="0" eaLnBrk="1" latinLnBrk="0" hangingPunct="1">
-              <a:lnSpc>
-                <a:spcPct val="90000"/>
-              </a:lnSpc>
-              <a:spcBef>
-                <a:spcPts val="500"/>
-              </a:spcBef>
-              <a:buFont typeface="Arial" panose="020B0604020202020204" pitchFamily="34" charset="0"/>
-              <a:buChar char="•"/>
-              <a:defRPr kumimoji="1" sz="1800" kern="1200">
-                <a:solidFill>
-                  <a:schemeClr val="tx1"/>
-                </a:solidFill>
-                <a:latin typeface="+mn-lt"/>
-                <a:ea typeface="+mn-ea"/>
-                <a:cs typeface="+mn-cs"/>
-              </a:defRPr>
-            </a:lvl5pPr>
-            <a:lvl6pPr marL="2514600" indent="-228600" algn="l" defTabSz="914400" rtl="0" eaLnBrk="1" latinLnBrk="0" hangingPunct="1">
-              <a:lnSpc>
-                <a:spcPct val="90000"/>
-              </a:lnSpc>
-              <a:spcBef>
-                <a:spcPts val="500"/>
-              </a:spcBef>
-              <a:buFont typeface="Arial" panose="020B0604020202020204" pitchFamily="34" charset="0"/>
-              <a:buChar char="•"/>
-              <a:defRPr kumimoji="1" sz="1800" kern="1200">
-                <a:solidFill>
-                  <a:schemeClr val="tx1"/>
-                </a:solidFill>
-                <a:latin typeface="+mn-lt"/>
-                <a:ea typeface="+mn-ea"/>
-                <a:cs typeface="+mn-cs"/>
-              </a:defRPr>
-            </a:lvl6pPr>
-            <a:lvl7pPr marL="2971800" indent="-228600" algn="l" defTabSz="914400" rtl="0" eaLnBrk="1" latinLnBrk="0" hangingPunct="1">
-              <a:lnSpc>
-                <a:spcPct val="90000"/>
-              </a:lnSpc>
-              <a:spcBef>
-                <a:spcPts val="500"/>
-              </a:spcBef>
-              <a:buFont typeface="Arial" panose="020B0604020202020204" pitchFamily="34" charset="0"/>
-              <a:buChar char="•"/>
-              <a:defRPr kumimoji="1" sz="1800" kern="1200">
-                <a:solidFill>
-                  <a:schemeClr val="tx1"/>
-                </a:solidFill>
-                <a:latin typeface="+mn-lt"/>
-                <a:ea typeface="+mn-ea"/>
-                <a:cs typeface="+mn-cs"/>
-              </a:defRPr>
-            </a:lvl7pPr>
-            <a:lvl8pPr marL="3429000" indent="-228600" algn="l" defTabSz="914400" rtl="0" eaLnBrk="1" latinLnBrk="0" hangingPunct="1">
-              <a:lnSpc>
-                <a:spcPct val="90000"/>
-              </a:lnSpc>
-              <a:spcBef>
-                <a:spcPts val="500"/>
-              </a:spcBef>
-              <a:buFont typeface="Arial" panose="020B0604020202020204" pitchFamily="34" charset="0"/>
-              <a:buChar char="•"/>
-              <a:defRPr kumimoji="1" sz="1800" kern="1200">
-                <a:solidFill>
-                  <a:schemeClr val="tx1"/>
-                </a:solidFill>
-                <a:latin typeface="+mn-lt"/>
-                <a:ea typeface="+mn-ea"/>
-                <a:cs typeface="+mn-cs"/>
-              </a:defRPr>
-            </a:lvl8pPr>
-            <a:lvl9pPr marL="3886200" indent="-228600" algn="l" defTabSz="914400" rtl="0" eaLnBrk="1" latinLnBrk="0" hangingPunct="1">
-              <a:lnSpc>
-                <a:spcPct val="90000"/>
-              </a:lnSpc>
-              <a:spcBef>
-                <a:spcPts val="500"/>
-              </a:spcBef>
-              <a:buFont typeface="Arial" panose="020B0604020202020204" pitchFamily="34" charset="0"/>
-              <a:buChar char="•"/>
-              <a:defRPr kumimoji="1" sz="1800" kern="1200">
-                <a:solidFill>
-                  <a:schemeClr val="tx1"/>
-                </a:solidFill>
-                <a:latin typeface="+mn-lt"/>
-                <a:ea typeface="+mn-ea"/>
-                <a:cs typeface="+mn-cs"/>
-              </a:defRPr>
-            </a:lvl9pPr>
-          </a:lstStyle>
-          <a:p>
-            <a:pPr marL="0" indent="0">
-              <a:buFont typeface="Arial" panose="020B0604020202020204" pitchFamily="34" charset="0"/>
-              <a:buNone/>
-            </a:pPr>
-            <a:r>
-              <a:rPr lang="ja-JP" altLang="en-US" sz="3200" dirty="0">
-                <a:latin typeface="+mj-ea"/>
-                <a:ea typeface="+mj-ea"/>
-              </a:rPr>
-              <a:t>目的</a:t>
-            </a:r>
-            <a:endParaRPr lang="en-US" altLang="ja-JP" sz="3200" dirty="0">
-              <a:latin typeface="+mj-ea"/>
-              <a:ea typeface="+mj-ea"/>
-            </a:endParaRPr>
-          </a:p>
-        </p:txBody>
-      </p:sp>
-      <p:sp>
-        <p:nvSpPr>
-          <p:cNvPr id="3" name="矢印: 下 2">
-            <a:extLst>
-              <a:ext uri="{FF2B5EF4-FFF2-40B4-BE49-F238E27FC236}">
-                <a16:creationId xmlns="" xmlns:a16="http://schemas.microsoft.com/office/drawing/2014/main" id="{CFCADA50-C3A2-47D2-B879-859F85B0F51C}"/>
-              </a:ext>
-            </a:extLst>
-          </p:cNvPr>
-          <p:cNvSpPr/>
-          <p:nvPr/>
-        </p:nvSpPr>
-        <p:spPr>
-          <a:xfrm>
-            <a:off x="5233851" y="3383282"/>
-            <a:ext cx="992778" cy="950769"/>
-          </a:xfrm>
-          <a:prstGeom prst="downArrow">
-            <a:avLst/>
-          </a:prstGeom>
-          <a:solidFill>
-            <a:schemeClr val="accent2"/>
-          </a:solidFill>
-        </p:spPr>
-        <p:style>
-          <a:lnRef idx="2">
-            <a:schemeClr val="accent1">
-              <a:shade val="50000"/>
-            </a:schemeClr>
-          </a:lnRef>
-          <a:fillRef idx="1">
-            <a:schemeClr val="accent1"/>
-          </a:fillRef>
-          <a:effectRef idx="0">
-            <a:schemeClr val="accent1"/>
-          </a:effectRef>
-          <a:fontRef idx="minor">
-            <a:schemeClr val="lt1"/>
-          </a:fontRef>
-        </p:style>
-        <p:txBody>
-          <a:bodyPr rot="0" spcFirstLastPara="0" vertOverflow="overflow" horzOverflow="overflow" vert="horz" wrap="square" lIns="91440" tIns="45720" rIns="91440" bIns="45720" numCol="1" spcCol="0" rtlCol="0" fromWordArt="0" anchor="ctr" anchorCtr="0" forceAA="0" compatLnSpc="1">
-            <a:prstTxWarp prst="textNoShape">
-              <a:avLst/>
-            </a:prstTxWarp>
-            <a:noAutofit/>
-          </a:bodyPr>
-          <a:lstStyle/>
-          <a:p>
-            <a:pPr algn="ctr"/>
-            <a:endParaRPr kumimoji="1" lang="ja-JP" altLang="en-US" b="1">
-              <a:ln w="22225">
-                <a:solidFill>
-                  <a:schemeClr val="accent2"/>
-                </a:solidFill>
-                <a:prstDash val="solid"/>
-              </a:ln>
-              <a:solidFill>
-                <a:schemeClr val="accent2">
-                  <a:lumMod val="40000"/>
-                  <a:lumOff val="60000"/>
-                </a:schemeClr>
-              </a:solidFill>
-            </a:endParaRPr>
+          <a:lstStyle/>
+          <a:p>
+            <a:r>
+              <a:rPr kumimoji="1" lang="ja-JP" altLang="en-US" dirty="0" smtClean="0"/>
+              <a:t>似たような条件の物件から家賃、管理費を提案</a:t>
+            </a:r>
+            <a:endParaRPr kumimoji="1" lang="ja-JP" altLang="en-US" dirty="0"/>
           </a:p>
         </p:txBody>
       </p:sp>
     </p:spTree>
     <p:extLst>
       <p:ext uri="{BB962C8B-B14F-4D97-AF65-F5344CB8AC3E}">
-        <p14:creationId xmlns:p14="http://schemas.microsoft.com/office/powerpoint/2010/main" val="2639687319"/>
+        <p14:creationId xmlns:p14="http://schemas.microsoft.com/office/powerpoint/2010/main" val="1495199750"/>
       </p:ext>
     </p:extLst>
   </p:cSld>
@@ -5581,736 +5020,10 @@
       </p:grpSpPr>
       <p:sp>
         <p:nvSpPr>
-          <p:cNvPr id="2" name="タイトル 1">
-            <a:extLst>
-              <a:ext uri="{FF2B5EF4-FFF2-40B4-BE49-F238E27FC236}">
-                <a16:creationId xmlns="" xmlns:a16="http://schemas.microsoft.com/office/drawing/2014/main" id="{21CA870E-49F7-4AFD-8DFA-3BFE527E9233}"/>
-              </a:ext>
-            </a:extLst>
-          </p:cNvPr>
-          <p:cNvSpPr>
-            <a:spLocks noGrp="1"/>
-          </p:cNvSpPr>
-          <p:nvPr>
-            <p:ph type="title"/>
-          </p:nvPr>
-        </p:nvSpPr>
-        <p:spPr>
-          <a:xfrm>
-            <a:off x="216381" y="648726"/>
-            <a:ext cx="2571642" cy="1087157"/>
-          </a:xfrm>
-        </p:spPr>
-        <p:txBody>
-          <a:bodyPr>
-            <a:normAutofit/>
-          </a:bodyPr>
-          <a:lstStyle/>
-          <a:p>
-            <a:r>
-              <a:rPr lang="ja-JP" altLang="en-US" sz="2400" dirty="0"/>
-              <a:t>手法のポイント</a:t>
-            </a:r>
-            <a:endParaRPr kumimoji="1" lang="ja-JP" altLang="en-US" sz="2400" dirty="0"/>
-          </a:p>
-        </p:txBody>
-      </p:sp>
-      <p:sp>
-        <p:nvSpPr>
-          <p:cNvPr id="4" name="テキスト ボックス 3">
-            <a:extLst>
-              <a:ext uri="{FF2B5EF4-FFF2-40B4-BE49-F238E27FC236}">
-                <a16:creationId xmlns="" xmlns:a16="http://schemas.microsoft.com/office/drawing/2014/main" id="{6E1D8729-ABF1-42B2-82D7-B3B2A5BDEBF3}"/>
-              </a:ext>
-            </a:extLst>
-          </p:cNvPr>
-          <p:cNvSpPr txBox="1"/>
-          <p:nvPr/>
-        </p:nvSpPr>
-        <p:spPr>
-          <a:xfrm>
-            <a:off x="656415" y="1873622"/>
-            <a:ext cx="11652126" cy="5386090"/>
-          </a:xfrm>
-          <a:prstGeom prst="rect">
-            <a:avLst/>
-          </a:prstGeom>
-          <a:noFill/>
-        </p:spPr>
-        <p:txBody>
-          <a:bodyPr wrap="square" rtlCol="0">
-            <a:spAutoFit/>
-          </a:bodyPr>
-          <a:lstStyle/>
-          <a:p>
-            <a:r>
-              <a:rPr lang="ja-JP" altLang="en-US" sz="2400" dirty="0"/>
-              <a:t>・</a:t>
-            </a:r>
-            <a:r>
-              <a:rPr lang="en-US" altLang="ja-JP" sz="2400" dirty="0"/>
-              <a:t>1997</a:t>
-            </a:r>
-            <a:r>
-              <a:rPr lang="ja-JP" altLang="en-US" sz="2400" dirty="0"/>
-              <a:t>年～</a:t>
-            </a:r>
-            <a:r>
-              <a:rPr lang="en-US" altLang="ja-JP" sz="2400" dirty="0"/>
-              <a:t>2013</a:t>
-            </a:r>
-            <a:r>
-              <a:rPr lang="ja-JP" altLang="en-US" sz="2400" dirty="0"/>
-              <a:t>年のシアトル首都圏の住宅データセットをシミュレーション</a:t>
-            </a:r>
-            <a:endParaRPr lang="en-US" altLang="ja-JP" sz="2400" dirty="0"/>
-          </a:p>
-          <a:p>
-            <a:endParaRPr lang="en-US" altLang="ja-JP" sz="2400" dirty="0"/>
-          </a:p>
-          <a:p>
-            <a:r>
-              <a:rPr lang="ja-JP" altLang="en-US" sz="2400" dirty="0"/>
-              <a:t>・毎月の国勢統計区の家の価値指数を記録する為に</a:t>
-            </a:r>
-            <a:endParaRPr lang="en-US" altLang="ja-JP" sz="2400" dirty="0"/>
-          </a:p>
-          <a:p>
-            <a:r>
-              <a:rPr lang="en-US" altLang="ja-JP" sz="2400" dirty="0"/>
-              <a:t>			</a:t>
-            </a:r>
-            <a:r>
-              <a:rPr lang="ja-JP" altLang="en-US" sz="2400" dirty="0"/>
-              <a:t>潜在的な価格動向を導入した動的モデルを使用</a:t>
-            </a:r>
-            <a:endParaRPr lang="en-US" altLang="ja-JP" sz="2400" dirty="0"/>
-          </a:p>
-          <a:p>
-            <a:endParaRPr lang="en-US" altLang="ja-JP" sz="2400" dirty="0"/>
-          </a:p>
-          <a:p>
-            <a:r>
-              <a:rPr lang="ja-JP" altLang="en-US" sz="2400" dirty="0"/>
-              <a:t>・国勢統計区内の販売が希薄な場所の補完として、類似の動態をしている複数の　　　　　統計区の売り上げをもとに潜在的な価格動向を決定。</a:t>
-            </a:r>
-            <a:endParaRPr lang="en-US" altLang="ja-JP" sz="2400" dirty="0"/>
-          </a:p>
-          <a:p>
-            <a:endParaRPr lang="en-US" altLang="ja-JP" sz="2400" dirty="0"/>
-          </a:p>
-          <a:p>
-            <a:r>
-              <a:rPr lang="ja-JP" altLang="en-US" sz="2400" dirty="0"/>
-              <a:t>・ベイジアンノンパラメトリックアプローチを導入</a:t>
-            </a:r>
-            <a:endParaRPr lang="en-US" altLang="ja-JP" sz="2000" dirty="0"/>
-          </a:p>
-          <a:p>
-            <a:endParaRPr lang="en-US" altLang="ja-JP" sz="1600" dirty="0"/>
-          </a:p>
-          <a:p>
-            <a:r>
-              <a:rPr lang="ja-JP" altLang="en-US" sz="2400" dirty="0"/>
-              <a:t>　</a:t>
-            </a:r>
-            <a:r>
-              <a:rPr lang="ja-JP" altLang="en-US" sz="2000" dirty="0"/>
-              <a:t>→</a:t>
-            </a:r>
-            <a:r>
-              <a:rPr lang="ja-JP" altLang="ja-JP" sz="2000" dirty="0"/>
-              <a:t>観測された家の価格のみをもとに</a:t>
-            </a:r>
-            <a:r>
-              <a:rPr lang="ja-JP" altLang="en-US" sz="2000" dirty="0"/>
-              <a:t>国勢統計区</a:t>
-            </a:r>
-            <a:r>
-              <a:rPr lang="ja-JP" altLang="ja-JP" sz="2000" dirty="0"/>
-              <a:t>の構造</a:t>
-            </a:r>
-            <a:r>
-              <a:rPr lang="ja-JP" altLang="en-US" sz="2000" dirty="0"/>
-              <a:t>と</a:t>
-            </a:r>
-            <a:r>
-              <a:rPr lang="ja-JP" altLang="ja-JP" sz="2000" dirty="0"/>
-              <a:t>の関係性を</a:t>
-            </a:r>
-            <a:r>
-              <a:rPr lang="ja-JP" altLang="en-US" sz="2000" dirty="0"/>
-              <a:t>クラスタリング</a:t>
-            </a:r>
-            <a:endParaRPr lang="en-US" altLang="ja-JP" sz="2400" dirty="0"/>
-          </a:p>
-          <a:p>
-            <a:r>
-              <a:rPr lang="ja-JP" altLang="en-US" sz="2400" dirty="0"/>
-              <a:t>　</a:t>
-            </a:r>
-            <a:r>
-              <a:rPr lang="ja-JP" altLang="en-US" sz="2000" dirty="0"/>
-              <a:t>→これを導入することで、クラスタリングされた部分での情報を効率的に共有可能　　　　</a:t>
-            </a:r>
-            <a:endParaRPr lang="en-US" altLang="ja-JP" sz="2000" dirty="0"/>
-          </a:p>
-          <a:p>
-            <a:endParaRPr lang="en-US" altLang="ja-JP" sz="2400" dirty="0"/>
-          </a:p>
-          <a:p>
-            <a:endParaRPr lang="en-US" altLang="ja-JP" sz="2000" dirty="0"/>
-          </a:p>
-          <a:p>
-            <a:endParaRPr lang="en-US" altLang="ja-JP" sz="2000" dirty="0"/>
-          </a:p>
-        </p:txBody>
-      </p:sp>
-      <p:sp>
-        <p:nvSpPr>
-          <p:cNvPr id="5" name="タイトル 1">
-            <a:extLst>
-              <a:ext uri="{FF2B5EF4-FFF2-40B4-BE49-F238E27FC236}">
-                <a16:creationId xmlns="" xmlns:a16="http://schemas.microsoft.com/office/drawing/2014/main" id="{6D824050-862A-4574-AEFC-C46375DCB231}"/>
-              </a:ext>
-            </a:extLst>
-          </p:cNvPr>
-          <p:cNvSpPr txBox="1">
-            <a:spLocks/>
-          </p:cNvSpPr>
-          <p:nvPr/>
-        </p:nvSpPr>
-        <p:spPr>
-          <a:xfrm>
-            <a:off x="0" y="0"/>
-            <a:ext cx="12192000" cy="510987"/>
-          </a:xfrm>
-          <a:prstGeom prst="rect">
-            <a:avLst/>
-          </a:prstGeom>
-          <a:solidFill>
-            <a:schemeClr val="accent6"/>
-          </a:solidFill>
-        </p:spPr>
-        <p:txBody>
-          <a:bodyPr vert="horz" lIns="91440" tIns="45720" rIns="91440" bIns="45720" rtlCol="0" anchor="ctr">
-            <a:noAutofit/>
-          </a:bodyPr>
-          <a:lstStyle>
-            <a:lvl1pPr algn="l" defTabSz="914400" rtl="0" eaLnBrk="1" latinLnBrk="0" hangingPunct="1">
-              <a:lnSpc>
-                <a:spcPct val="90000"/>
-              </a:lnSpc>
-              <a:spcBef>
-                <a:spcPct val="0"/>
-              </a:spcBef>
-              <a:buNone/>
-              <a:defRPr kumimoji="1" sz="4400" kern="1200">
-                <a:solidFill>
-                  <a:schemeClr val="tx1"/>
-                </a:solidFill>
-                <a:latin typeface="+mj-lt"/>
-                <a:ea typeface="+mj-ea"/>
-                <a:cs typeface="+mj-cs"/>
-              </a:defRPr>
-            </a:lvl1pPr>
-          </a:lstStyle>
-          <a:p>
-            <a:pPr algn="ctr"/>
-            <a:r>
-              <a:rPr lang="en-US" altLang="ja-JP" sz="3600" b="1">
-                <a:solidFill>
-                  <a:schemeClr val="bg1"/>
-                </a:solidFill>
-              </a:rPr>
-              <a:t>What I did last week.</a:t>
-            </a:r>
-            <a:endParaRPr lang="ja-JP" altLang="en-US" sz="3600" b="1" dirty="0">
-              <a:solidFill>
-                <a:schemeClr val="bg1"/>
-              </a:solidFill>
-            </a:endParaRPr>
-          </a:p>
-        </p:txBody>
-      </p:sp>
-    </p:spTree>
-    <p:extLst>
-      <p:ext uri="{BB962C8B-B14F-4D97-AF65-F5344CB8AC3E}">
-        <p14:creationId xmlns:p14="http://schemas.microsoft.com/office/powerpoint/2010/main" val="1693674750"/>
-      </p:ext>
-    </p:extLst>
-  </p:cSld>
-  <p:clrMapOvr>
-    <a:masterClrMapping/>
-  </p:clrMapOvr>
-</p:sld>
-</file>
-
-<file path=ppt/slides/slide6.xml><?xml version="1.0" encoding="utf-8"?>
-<p:sld xmlns:a="http://schemas.openxmlformats.org/drawingml/2006/main" xmlns:r="http://schemas.openxmlformats.org/officeDocument/2006/relationships" xmlns:p="http://schemas.openxmlformats.org/presentationml/2006/main">
-  <p:cSld>
-    <p:spTree>
-      <p:nvGrpSpPr>
-        <p:cNvPr id="1" name=""/>
-        <p:cNvGrpSpPr/>
-        <p:nvPr/>
-      </p:nvGrpSpPr>
-      <p:grpSpPr>
-        <a:xfrm>
-          <a:off x="0" y="0"/>
-          <a:ext cx="0" cy="0"/>
-          <a:chOff x="0" y="0"/>
-          <a:chExt cx="0" cy="0"/>
-        </a:xfrm>
-      </p:grpSpPr>
-      <p:sp>
-        <p:nvSpPr>
-          <p:cNvPr id="2" name="タイトル 1">
-            <a:extLst>
-              <a:ext uri="{FF2B5EF4-FFF2-40B4-BE49-F238E27FC236}">
-                <a16:creationId xmlns="" xmlns:a16="http://schemas.microsoft.com/office/drawing/2014/main" id="{EF9BA43A-77BC-40F2-BA68-8A0243F12EEC}"/>
-              </a:ext>
-            </a:extLst>
-          </p:cNvPr>
-          <p:cNvSpPr>
-            <a:spLocks noGrp="1"/>
-          </p:cNvSpPr>
-          <p:nvPr>
-            <p:ph type="title"/>
-          </p:nvPr>
-        </p:nvSpPr>
-        <p:spPr>
-          <a:xfrm>
-            <a:off x="738188" y="1176712"/>
-            <a:ext cx="1077166" cy="510987"/>
-          </a:xfrm>
-        </p:spPr>
-        <p:txBody>
-          <a:bodyPr>
-            <a:noAutofit/>
-          </a:bodyPr>
-          <a:lstStyle/>
-          <a:p>
-            <a:r>
-              <a:rPr kumimoji="1" lang="ja-JP" altLang="en-US" sz="2800" dirty="0"/>
-              <a:t>結果</a:t>
-            </a:r>
-          </a:p>
-        </p:txBody>
-      </p:sp>
-      <p:sp>
-        <p:nvSpPr>
-          <p:cNvPr id="4" name="コンテンツ プレースホルダー 3">
-            <a:extLst>
-              <a:ext uri="{FF2B5EF4-FFF2-40B4-BE49-F238E27FC236}">
-                <a16:creationId xmlns="" xmlns:a16="http://schemas.microsoft.com/office/drawing/2014/main" id="{5535DEEC-26E8-4D04-B44B-9C5C51F783EE}"/>
-              </a:ext>
-            </a:extLst>
-          </p:cNvPr>
-          <p:cNvSpPr>
-            <a:spLocks noGrp="1"/>
-          </p:cNvSpPr>
-          <p:nvPr>
-            <p:ph sz="half" idx="2"/>
-          </p:nvPr>
-        </p:nvSpPr>
-        <p:spPr>
-          <a:xfrm>
-            <a:off x="1795624" y="2539141"/>
-            <a:ext cx="6756193" cy="3684588"/>
-          </a:xfrm>
-        </p:spPr>
-        <p:txBody>
-          <a:bodyPr>
-            <a:normAutofit/>
-          </a:bodyPr>
-          <a:lstStyle/>
-          <a:p>
-            <a:pPr marL="0" indent="0">
-              <a:buNone/>
-            </a:pPr>
-            <a:r>
-              <a:rPr lang="en-US" altLang="ja-JP" sz="2400" dirty="0"/>
-              <a:t>	</a:t>
-            </a:r>
-            <a:endParaRPr kumimoji="1" lang="ja-JP" altLang="en-US" sz="2400" dirty="0"/>
-          </a:p>
-        </p:txBody>
-      </p:sp>
-      <p:sp>
-        <p:nvSpPr>
-          <p:cNvPr id="7" name="タイトル 1">
-            <a:extLst>
-              <a:ext uri="{FF2B5EF4-FFF2-40B4-BE49-F238E27FC236}">
-                <a16:creationId xmlns="" xmlns:a16="http://schemas.microsoft.com/office/drawing/2014/main" id="{DC47D134-63C0-4926-B8D2-6A74F754FCC1}"/>
-              </a:ext>
-            </a:extLst>
-          </p:cNvPr>
-          <p:cNvSpPr txBox="1">
-            <a:spLocks/>
-          </p:cNvSpPr>
-          <p:nvPr/>
-        </p:nvSpPr>
-        <p:spPr>
-          <a:xfrm>
-            <a:off x="0" y="0"/>
-            <a:ext cx="12192000" cy="510987"/>
-          </a:xfrm>
-          <a:prstGeom prst="rect">
-            <a:avLst/>
-          </a:prstGeom>
-          <a:solidFill>
-            <a:schemeClr val="accent6"/>
-          </a:solidFill>
-        </p:spPr>
-        <p:txBody>
-          <a:bodyPr vert="horz" lIns="91440" tIns="45720" rIns="91440" bIns="45720" rtlCol="0" anchor="ctr">
-            <a:noAutofit/>
-          </a:bodyPr>
-          <a:lstStyle>
-            <a:lvl1pPr algn="l" defTabSz="914400" rtl="0" eaLnBrk="1" latinLnBrk="0" hangingPunct="1">
-              <a:lnSpc>
-                <a:spcPct val="90000"/>
-              </a:lnSpc>
-              <a:spcBef>
-                <a:spcPct val="0"/>
-              </a:spcBef>
-              <a:buNone/>
-              <a:defRPr kumimoji="1" sz="4400" kern="1200">
-                <a:solidFill>
-                  <a:schemeClr val="tx1"/>
-                </a:solidFill>
-                <a:latin typeface="+mj-lt"/>
-                <a:ea typeface="+mj-ea"/>
-                <a:cs typeface="+mj-cs"/>
-              </a:defRPr>
-            </a:lvl1pPr>
-          </a:lstStyle>
-          <a:p>
-            <a:pPr algn="ctr"/>
-            <a:r>
-              <a:rPr lang="en-US" altLang="ja-JP" sz="3600" b="1">
-                <a:solidFill>
-                  <a:schemeClr val="bg1"/>
-                </a:solidFill>
-              </a:rPr>
-              <a:t>What I did last week.</a:t>
-            </a:r>
-            <a:endParaRPr lang="ja-JP" altLang="en-US" sz="3600" b="1" dirty="0">
-              <a:solidFill>
-                <a:schemeClr val="bg1"/>
-              </a:solidFill>
-            </a:endParaRPr>
-          </a:p>
-        </p:txBody>
-      </p:sp>
-      <p:sp>
-        <p:nvSpPr>
-          <p:cNvPr id="12" name="テキスト ボックス 11">
-            <a:extLst>
-              <a:ext uri="{FF2B5EF4-FFF2-40B4-BE49-F238E27FC236}">
-                <a16:creationId xmlns="" xmlns:a16="http://schemas.microsoft.com/office/drawing/2014/main" id="{1AC7547A-0F6E-4870-9493-252A62A38B6A}"/>
-              </a:ext>
-            </a:extLst>
-          </p:cNvPr>
-          <p:cNvSpPr txBox="1"/>
-          <p:nvPr/>
-        </p:nvSpPr>
-        <p:spPr>
-          <a:xfrm>
-            <a:off x="1234248" y="2136338"/>
-            <a:ext cx="9723503" cy="3693319"/>
-          </a:xfrm>
-          <a:prstGeom prst="rect">
-            <a:avLst/>
-          </a:prstGeom>
-          <a:noFill/>
-        </p:spPr>
-        <p:txBody>
-          <a:bodyPr wrap="square" rtlCol="0">
-            <a:spAutoFit/>
-          </a:bodyPr>
-          <a:lstStyle/>
-          <a:p>
-            <a:r>
-              <a:rPr kumimoji="1" lang="ja-JP" altLang="en-US" sz="2400" dirty="0"/>
-              <a:t>・推定した販売価格でのクラスタリングと真の値を用いたクラスタリングに違いはあまりなかった。</a:t>
-            </a:r>
-            <a:endParaRPr kumimoji="1" lang="en-US" altLang="ja-JP" sz="2400" dirty="0"/>
-          </a:p>
-          <a:p>
-            <a:endParaRPr lang="en-US" altLang="ja-JP" sz="2400" dirty="0"/>
-          </a:p>
-          <a:p>
-            <a:r>
-              <a:rPr kumimoji="1" lang="ja-JP" altLang="en-US" sz="2400" dirty="0"/>
-              <a:t>・類似の動態を示している観測地を共有しない場合、</a:t>
-            </a:r>
-            <a:endParaRPr kumimoji="1" lang="en-US" altLang="ja-JP" sz="2400" dirty="0"/>
-          </a:p>
-          <a:p>
-            <a:r>
-              <a:rPr lang="en-US" altLang="ja-JP" sz="2400" dirty="0"/>
-              <a:t>			</a:t>
-            </a:r>
-            <a:r>
-              <a:rPr kumimoji="1" lang="ja-JP" altLang="en-US" sz="2400" dirty="0"/>
-              <a:t>価格の推定は失敗した。</a:t>
-            </a:r>
-            <a:endParaRPr lang="en-US" altLang="ja-JP" sz="2400" dirty="0"/>
-          </a:p>
-          <a:p>
-            <a:endParaRPr lang="en-US" altLang="ja-JP" sz="2400" dirty="0"/>
-          </a:p>
-          <a:p>
-            <a:r>
-              <a:rPr lang="ja-JP" altLang="en-US" sz="2400" dirty="0"/>
-              <a:t>・国勢統計地区の販売数が希薄な場所を入力しても、</a:t>
-            </a:r>
-            <a:endParaRPr lang="en-US" altLang="ja-JP" sz="2400" dirty="0"/>
-          </a:p>
-          <a:p>
-            <a:r>
-              <a:rPr lang="en-US" altLang="ja-JP" sz="2400" dirty="0"/>
-              <a:t>			</a:t>
-            </a:r>
-            <a:r>
-              <a:rPr lang="ja-JP" altLang="en-US" sz="2400" dirty="0"/>
-              <a:t>価格推定がうまく推定された。</a:t>
-            </a:r>
-          </a:p>
-          <a:p>
-            <a:endParaRPr lang="ja-JP" altLang="ja-JP" sz="2400" dirty="0"/>
-          </a:p>
-          <a:p>
-            <a:endParaRPr kumimoji="1" lang="ja-JP" altLang="en-US" dirty="0"/>
-          </a:p>
-        </p:txBody>
-      </p:sp>
-    </p:spTree>
-    <p:extLst>
-      <p:ext uri="{BB962C8B-B14F-4D97-AF65-F5344CB8AC3E}">
-        <p14:creationId xmlns:p14="http://schemas.microsoft.com/office/powerpoint/2010/main" val="2722374669"/>
-      </p:ext>
-    </p:extLst>
-  </p:cSld>
-  <p:clrMapOvr>
-    <a:masterClrMapping/>
-  </p:clrMapOvr>
-</p:sld>
-</file>
-
-<file path=ppt/slides/slide7.xml><?xml version="1.0" encoding="utf-8"?>
-<p:sld xmlns:a="http://schemas.openxmlformats.org/drawingml/2006/main" xmlns:r="http://schemas.openxmlformats.org/officeDocument/2006/relationships" xmlns:p="http://schemas.openxmlformats.org/presentationml/2006/main">
-  <p:cSld>
-    <p:spTree>
-      <p:nvGrpSpPr>
-        <p:cNvPr id="1" name=""/>
-        <p:cNvGrpSpPr/>
-        <p:nvPr/>
-      </p:nvGrpSpPr>
-      <p:grpSpPr>
-        <a:xfrm>
-          <a:off x="0" y="0"/>
-          <a:ext cx="0" cy="0"/>
-          <a:chOff x="0" y="0"/>
-          <a:chExt cx="0" cy="0"/>
-        </a:xfrm>
-      </p:grpSpPr>
-      <p:sp>
-        <p:nvSpPr>
-          <p:cNvPr id="2" name="タイトル 1">
-            <a:extLst>
-              <a:ext uri="{FF2B5EF4-FFF2-40B4-BE49-F238E27FC236}">
-                <a16:creationId xmlns="" xmlns:a16="http://schemas.microsoft.com/office/drawing/2014/main" id="{D344B50E-44B9-4300-B2FE-EE6471E721DE}"/>
-              </a:ext>
-            </a:extLst>
-          </p:cNvPr>
-          <p:cNvSpPr>
-            <a:spLocks noGrp="1"/>
-          </p:cNvSpPr>
-          <p:nvPr>
-            <p:ph type="title"/>
-          </p:nvPr>
-        </p:nvSpPr>
-        <p:spPr>
-          <a:xfrm>
-            <a:off x="318246" y="876115"/>
-            <a:ext cx="4827494" cy="880968"/>
-          </a:xfrm>
-        </p:spPr>
-        <p:txBody>
-          <a:bodyPr>
-            <a:normAutofit/>
-          </a:bodyPr>
-          <a:lstStyle/>
-          <a:p>
-            <a:r>
-              <a:rPr kumimoji="1" lang="ja-JP" altLang="en-US" sz="2800" dirty="0"/>
-              <a:t>考察及び、関心を持ったこと</a:t>
-            </a:r>
-          </a:p>
-        </p:txBody>
-      </p:sp>
-      <p:sp>
-        <p:nvSpPr>
-          <p:cNvPr id="6" name="タイトル 1">
-            <a:extLst>
-              <a:ext uri="{FF2B5EF4-FFF2-40B4-BE49-F238E27FC236}">
-                <a16:creationId xmlns="" xmlns:a16="http://schemas.microsoft.com/office/drawing/2014/main" id="{419EC422-B1EF-4D6C-ABE4-58A0AD969F00}"/>
-              </a:ext>
-            </a:extLst>
-          </p:cNvPr>
-          <p:cNvSpPr txBox="1">
-            <a:spLocks/>
-          </p:cNvSpPr>
-          <p:nvPr/>
-        </p:nvSpPr>
-        <p:spPr>
-          <a:xfrm>
-            <a:off x="0" y="0"/>
-            <a:ext cx="12192000" cy="510987"/>
-          </a:xfrm>
-          <a:prstGeom prst="rect">
-            <a:avLst/>
-          </a:prstGeom>
-          <a:solidFill>
-            <a:schemeClr val="accent6"/>
-          </a:solidFill>
-        </p:spPr>
-        <p:txBody>
-          <a:bodyPr vert="horz" lIns="91440" tIns="45720" rIns="91440" bIns="45720" rtlCol="0" anchor="ctr">
-            <a:noAutofit/>
-          </a:bodyPr>
-          <a:lstStyle>
-            <a:lvl1pPr algn="l" defTabSz="914400" rtl="0" eaLnBrk="1" latinLnBrk="0" hangingPunct="1">
-              <a:lnSpc>
-                <a:spcPct val="90000"/>
-              </a:lnSpc>
-              <a:spcBef>
-                <a:spcPct val="0"/>
-              </a:spcBef>
-              <a:buNone/>
-              <a:defRPr kumimoji="1" sz="4400" kern="1200">
-                <a:solidFill>
-                  <a:schemeClr val="tx1"/>
-                </a:solidFill>
-                <a:latin typeface="+mj-lt"/>
-                <a:ea typeface="+mj-ea"/>
-                <a:cs typeface="+mj-cs"/>
-              </a:defRPr>
-            </a:lvl1pPr>
-          </a:lstStyle>
-          <a:p>
-            <a:pPr algn="ctr"/>
-            <a:r>
-              <a:rPr lang="en-US" altLang="ja-JP" sz="3600" b="1">
-                <a:solidFill>
-                  <a:schemeClr val="bg1"/>
-                </a:solidFill>
-              </a:rPr>
-              <a:t>What I did last week.</a:t>
-            </a:r>
-            <a:endParaRPr lang="ja-JP" altLang="en-US" sz="3600" b="1" dirty="0">
-              <a:solidFill>
-                <a:schemeClr val="bg1"/>
-              </a:solidFill>
-            </a:endParaRPr>
-          </a:p>
-        </p:txBody>
-      </p:sp>
-      <p:sp>
-        <p:nvSpPr>
-          <p:cNvPr id="3" name="テキスト ボックス 2">
-            <a:extLst>
-              <a:ext uri="{FF2B5EF4-FFF2-40B4-BE49-F238E27FC236}">
-                <a16:creationId xmlns="" xmlns:a16="http://schemas.microsoft.com/office/drawing/2014/main" id="{9BC049F4-1B33-47A7-90F2-B48025EBD3F9}"/>
-              </a:ext>
-            </a:extLst>
-          </p:cNvPr>
-          <p:cNvSpPr txBox="1"/>
-          <p:nvPr/>
-        </p:nvSpPr>
-        <p:spPr>
-          <a:xfrm>
-            <a:off x="1801906" y="2122211"/>
-            <a:ext cx="7897906" cy="2708434"/>
-          </a:xfrm>
-          <a:prstGeom prst="rect">
-            <a:avLst/>
-          </a:prstGeom>
-          <a:noFill/>
-        </p:spPr>
-        <p:txBody>
-          <a:bodyPr wrap="square" rtlCol="0">
-            <a:spAutoFit/>
-          </a:bodyPr>
-          <a:lstStyle/>
-          <a:p>
-            <a:r>
-              <a:rPr kumimoji="1" lang="ja-JP" altLang="en-US" sz="2400" dirty="0"/>
-              <a:t>今回の実験に犯罪率や気候、交通の利便さ</a:t>
-            </a:r>
-            <a:r>
-              <a:rPr lang="ja-JP" altLang="en-US" sz="2400" dirty="0"/>
-              <a:t>を</a:t>
-            </a:r>
-            <a:r>
-              <a:rPr kumimoji="1" lang="ja-JP" altLang="en-US" sz="2400" dirty="0"/>
-              <a:t>入れてクラスタリングすることで、価格推定の制度があがるのではないか。</a:t>
-            </a:r>
-            <a:endParaRPr lang="en-US" altLang="ja-JP" sz="2400" dirty="0"/>
-          </a:p>
-          <a:p>
-            <a:endParaRPr kumimoji="1" lang="en-US" altLang="ja-JP" sz="2400" dirty="0"/>
-          </a:p>
-          <a:p>
-            <a:endParaRPr kumimoji="1" lang="en-US" altLang="ja-JP" sz="2400" dirty="0"/>
-          </a:p>
-          <a:p>
-            <a:endParaRPr lang="en-US" altLang="ja-JP" sz="3200" dirty="0"/>
-          </a:p>
-          <a:p>
-            <a:endParaRPr lang="en-US" altLang="ja-JP" dirty="0"/>
-          </a:p>
-        </p:txBody>
-      </p:sp>
-    </p:spTree>
-    <p:extLst>
-      <p:ext uri="{BB962C8B-B14F-4D97-AF65-F5344CB8AC3E}">
-        <p14:creationId xmlns:p14="http://schemas.microsoft.com/office/powerpoint/2010/main" val="2393429131"/>
-      </p:ext>
-    </p:extLst>
-  </p:cSld>
-  <p:clrMapOvr>
-    <a:masterClrMapping/>
-  </p:clrMapOvr>
-</p:sld>
-</file>
-
-<file path=ppt/slides/slide8.xml><?xml version="1.0" encoding="utf-8"?>
-<p:sld xmlns:a="http://schemas.openxmlformats.org/drawingml/2006/main" xmlns:r="http://schemas.openxmlformats.org/officeDocument/2006/relationships" xmlns:p="http://schemas.openxmlformats.org/presentationml/2006/main">
-  <p:cSld>
-    <p:spTree>
-      <p:nvGrpSpPr>
-        <p:cNvPr id="1" name=""/>
-        <p:cNvGrpSpPr/>
-        <p:nvPr/>
-      </p:nvGrpSpPr>
-      <p:grpSpPr>
-        <a:xfrm>
-          <a:off x="0" y="0"/>
-          <a:ext cx="0" cy="0"/>
-          <a:chOff x="0" y="0"/>
-          <a:chExt cx="0" cy="0"/>
-        </a:xfrm>
-      </p:grpSpPr>
-      <p:sp>
-        <p:nvSpPr>
           <p:cNvPr id="3" name="字幕 2">
             <a:extLst>
               <a:ext uri="{FF2B5EF4-FFF2-40B4-BE49-F238E27FC236}">
-                <a16:creationId xmlns="" xmlns:a16="http://schemas.microsoft.com/office/drawing/2014/main" id="{F3F3B520-78B7-4308-8120-01679DAB8E89}"/>
+                <a16:creationId xmlns:a16="http://schemas.microsoft.com/office/drawing/2014/main" xmlns="" id="{F3F3B520-78B7-4308-8120-01679DAB8E89}"/>
               </a:ext>
             </a:extLst>
           </p:cNvPr>
@@ -6365,7 +5078,7 @@
           <p:cNvPr id="5" name="タイトル 1">
             <a:extLst>
               <a:ext uri="{FF2B5EF4-FFF2-40B4-BE49-F238E27FC236}">
-                <a16:creationId xmlns="" xmlns:a16="http://schemas.microsoft.com/office/drawing/2014/main" id="{4ED85973-D08A-4D4C-BBDF-D0641A86BA76}"/>
+                <a16:creationId xmlns:a16="http://schemas.microsoft.com/office/drawing/2014/main" xmlns="" id="{4ED85973-D08A-4D4C-BBDF-D0641A86BA76}"/>
               </a:ext>
             </a:extLst>
           </p:cNvPr>
